--- a/Statistik ex/Workshop 3 Fremlægning.pptx
+++ b/Statistik ex/Workshop 3 Fremlægning.pptx
@@ -126,6 +126,11 @@
       </a:defRPr>
     </a:lvl9pPr>
   </p:defaultTextStyle>
+  <p:extLst>
+    <p:ext uri="{EFAFB233-063F-42B5-8137-9DF3F51BA10A}">
+      <p15:sldGuideLst xmlns:p15="http://schemas.microsoft.com/office/powerpoint/2012/main"/>
+    </p:ext>
+  </p:extLst>
 </p:presentation>
 </file>
 
@@ -2668,7 +2673,7 @@
           <a:p>
             <a:fld id="{C6CE0F18-1E7D-426D-85A4-741AC8F8A3D0}" type="datetimeFigureOut">
               <a:rPr lang="da-DK" smtClean="0"/>
-              <a:t>13-01-2025</a:t>
+              <a:t>16-01-2025</a:t>
             </a:fld>
             <a:endParaRPr lang="da-DK"/>
           </a:p>
@@ -2866,7 +2871,7 @@
           <a:p>
             <a:fld id="{C6CE0F18-1E7D-426D-85A4-741AC8F8A3D0}" type="datetimeFigureOut">
               <a:rPr lang="da-DK" smtClean="0"/>
-              <a:t>13-01-2025</a:t>
+              <a:t>16-01-2025</a:t>
             </a:fld>
             <a:endParaRPr lang="da-DK"/>
           </a:p>
@@ -3074,7 +3079,7 @@
           <a:p>
             <a:fld id="{C6CE0F18-1E7D-426D-85A4-741AC8F8A3D0}" type="datetimeFigureOut">
               <a:rPr lang="da-DK" smtClean="0"/>
-              <a:t>13-01-2025</a:t>
+              <a:t>16-01-2025</a:t>
             </a:fld>
             <a:endParaRPr lang="da-DK"/>
           </a:p>
@@ -3272,7 +3277,7 @@
           <a:p>
             <a:fld id="{C6CE0F18-1E7D-426D-85A4-741AC8F8A3D0}" type="datetimeFigureOut">
               <a:rPr lang="da-DK" smtClean="0"/>
-              <a:t>13-01-2025</a:t>
+              <a:t>16-01-2025</a:t>
             </a:fld>
             <a:endParaRPr lang="da-DK"/>
           </a:p>
@@ -3547,7 +3552,7 @@
           <a:p>
             <a:fld id="{C6CE0F18-1E7D-426D-85A4-741AC8F8A3D0}" type="datetimeFigureOut">
               <a:rPr lang="da-DK" smtClean="0"/>
-              <a:t>13-01-2025</a:t>
+              <a:t>16-01-2025</a:t>
             </a:fld>
             <a:endParaRPr lang="da-DK"/>
           </a:p>
@@ -3812,7 +3817,7 @@
           <a:p>
             <a:fld id="{C6CE0F18-1E7D-426D-85A4-741AC8F8A3D0}" type="datetimeFigureOut">
               <a:rPr lang="da-DK" smtClean="0"/>
-              <a:t>13-01-2025</a:t>
+              <a:t>16-01-2025</a:t>
             </a:fld>
             <a:endParaRPr lang="da-DK"/>
           </a:p>
@@ -4224,7 +4229,7 @@
           <a:p>
             <a:fld id="{C6CE0F18-1E7D-426D-85A4-741AC8F8A3D0}" type="datetimeFigureOut">
               <a:rPr lang="da-DK" smtClean="0"/>
-              <a:t>13-01-2025</a:t>
+              <a:t>16-01-2025</a:t>
             </a:fld>
             <a:endParaRPr lang="da-DK"/>
           </a:p>
@@ -4365,7 +4370,7 @@
           <a:p>
             <a:fld id="{C6CE0F18-1E7D-426D-85A4-741AC8F8A3D0}" type="datetimeFigureOut">
               <a:rPr lang="da-DK" smtClean="0"/>
-              <a:t>13-01-2025</a:t>
+              <a:t>16-01-2025</a:t>
             </a:fld>
             <a:endParaRPr lang="da-DK"/>
           </a:p>
@@ -4478,7 +4483,7 @@
           <a:p>
             <a:fld id="{C6CE0F18-1E7D-426D-85A4-741AC8F8A3D0}" type="datetimeFigureOut">
               <a:rPr lang="da-DK" smtClean="0"/>
-              <a:t>13-01-2025</a:t>
+              <a:t>16-01-2025</a:t>
             </a:fld>
             <a:endParaRPr lang="da-DK"/>
           </a:p>
@@ -4789,7 +4794,7 @@
           <a:p>
             <a:fld id="{C6CE0F18-1E7D-426D-85A4-741AC8F8A3D0}" type="datetimeFigureOut">
               <a:rPr lang="da-DK" smtClean="0"/>
-              <a:t>13-01-2025</a:t>
+              <a:t>16-01-2025</a:t>
             </a:fld>
             <a:endParaRPr lang="da-DK"/>
           </a:p>
@@ -5077,7 +5082,7 @@
           <a:p>
             <a:fld id="{C6CE0F18-1E7D-426D-85A4-741AC8F8A3D0}" type="datetimeFigureOut">
               <a:rPr lang="da-DK" smtClean="0"/>
-              <a:t>13-01-2025</a:t>
+              <a:t>16-01-2025</a:t>
             </a:fld>
             <a:endParaRPr lang="da-DK"/>
           </a:p>
@@ -5318,7 +5323,7 @@
           <a:p>
             <a:fld id="{C6CE0F18-1E7D-426D-85A4-741AC8F8A3D0}" type="datetimeFigureOut">
               <a:rPr lang="da-DK" smtClean="0"/>
-              <a:t>13-01-2025</a:t>
+              <a:t>16-01-2025</a:t>
             </a:fld>
             <a:endParaRPr lang="da-DK"/>
           </a:p>
@@ -5997,8 +6002,8 @@
           </a:prstGeom>
         </p:spPr>
       </p:pic>
-      <mc:AlternateContent xmlns:mc="http://schemas.openxmlformats.org/markup-compatibility/2006">
-        <mc:Choice xmlns:a14="http://schemas.microsoft.com/office/drawing/2010/main" Requires="a14">
+      <mc:AlternateContent xmlns:mc="http://schemas.openxmlformats.org/markup-compatibility/2006" xmlns:a14="http://schemas.microsoft.com/office/drawing/2010/main">
+        <mc:Choice Requires="a14">
           <p:sp>
             <p:nvSpPr>
               <p:cNvPr id="5" name="Tekstfelt 4">
@@ -6027,6 +6032,7 @@
               </a:bodyPr>
               <a:lstStyle/>
               <a:p>
+                <a:pPr/>
                 <a14:m>
                   <m:oMathPara xmlns:m="http://schemas.openxmlformats.org/officeDocument/2006/math">
                     <m:oMathParaPr>
@@ -6084,7 +6090,7 @@
             </p:txBody>
           </p:sp>
         </mc:Choice>
-        <mc:Fallback>
+        <mc:Fallback xmlns="">
           <p:sp>
             <p:nvSpPr>
               <p:cNvPr id="5" name="Tekstfelt 4">
@@ -6129,8 +6135,8 @@
           </p:sp>
         </mc:Fallback>
       </mc:AlternateContent>
-      <mc:AlternateContent xmlns:mc="http://schemas.openxmlformats.org/markup-compatibility/2006">
-        <mc:Choice xmlns:a14="http://schemas.microsoft.com/office/drawing/2010/main" Requires="a14">
+      <mc:AlternateContent xmlns:mc="http://schemas.openxmlformats.org/markup-compatibility/2006" xmlns:a14="http://schemas.microsoft.com/office/drawing/2010/main">
+        <mc:Choice Requires="a14">
           <p:sp>
             <p:nvSpPr>
               <p:cNvPr id="10" name="Tekstfelt 9">
@@ -6159,6 +6165,7 @@
               </a:bodyPr>
               <a:lstStyle/>
               <a:p>
+                <a:pPr/>
                 <a14:m>
                   <m:oMathPara xmlns:m="http://schemas.openxmlformats.org/officeDocument/2006/math">
                     <m:oMathParaPr>
@@ -6204,7 +6211,7 @@
             </p:txBody>
           </p:sp>
         </mc:Choice>
-        <mc:Fallback>
+        <mc:Fallback xmlns="">
           <p:sp>
             <p:nvSpPr>
               <p:cNvPr id="10" name="Tekstfelt 9">
@@ -6249,8 +6256,8 @@
           </p:sp>
         </mc:Fallback>
       </mc:AlternateContent>
-      <mc:AlternateContent xmlns:mc="http://schemas.openxmlformats.org/markup-compatibility/2006">
-        <mc:Choice xmlns:a14="http://schemas.microsoft.com/office/drawing/2010/main" Requires="a14">
+      <mc:AlternateContent xmlns:mc="http://schemas.openxmlformats.org/markup-compatibility/2006" xmlns:a14="http://schemas.microsoft.com/office/drawing/2010/main">
+        <mc:Choice Requires="a14">
           <p:sp>
             <p:nvSpPr>
               <p:cNvPr id="18" name="Tekstfelt 17">
@@ -6279,6 +6286,7 @@
               </a:bodyPr>
               <a:lstStyle/>
               <a:p>
+                <a:pPr/>
                 <a14:m>
                   <m:oMathPara xmlns:m="http://schemas.openxmlformats.org/officeDocument/2006/math">
                     <m:oMathParaPr>
@@ -6324,7 +6332,7 @@
             </p:txBody>
           </p:sp>
         </mc:Choice>
-        <mc:Fallback>
+        <mc:Fallback xmlns="">
           <p:sp>
             <p:nvSpPr>
               <p:cNvPr id="18" name="Tekstfelt 17">
@@ -6386,7 +6394,7 @@
             <p:spPr>
               <a:xfrm>
                 <a:off x="1202167" y="4180136"/>
-                <a:ext cx="1768113" cy="369332"/>
+                <a:ext cx="1453924" cy="369332"/>
               </a:xfrm>
               <a:prstGeom prst="rect">
                 <a:avLst/>
@@ -6399,6 +6407,7 @@
               </a:bodyPr>
               <a:lstStyle/>
               <a:p>
+                <a:pPr/>
                 <a14:m>
                   <m:oMathPara xmlns:m="http://schemas.openxmlformats.org/officeDocument/2006/math">
                     <m:oMathParaPr>
@@ -6434,7 +6443,13 @@
                         <a:rPr lang="en-US" b="0" i="1" smtClean="0">
                           <a:latin typeface="Cambria Math" panose="02040503050406030204" pitchFamily="18" charset="0"/>
                         </a:rPr>
-                        <m:t>=0.411014</m:t>
+                        <m:t>=0.</m:t>
+                      </m:r>
+                      <m:r>
+                        <a:rPr lang="en-US" b="0" i="1" smtClean="0">
+                          <a:latin typeface="Cambria Math" panose="02040503050406030204" pitchFamily="18" charset="0"/>
+                        </a:rPr>
+                        <m:t>1066</m:t>
                       </m:r>
                     </m:oMath>
                   </m:oMathPara>
@@ -6462,7 +6477,7 @@
             <p:spPr>
               <a:xfrm>
                 <a:off x="1202167" y="4180136"/>
-                <a:ext cx="1768113" cy="369332"/>
+                <a:ext cx="1453924" cy="369332"/>
               </a:xfrm>
               <a:prstGeom prst="rect">
                 <a:avLst/>
@@ -6489,8 +6504,8 @@
           </p:sp>
         </mc:Fallback>
       </mc:AlternateContent>
-      <mc:AlternateContent xmlns:mc="http://schemas.openxmlformats.org/markup-compatibility/2006">
-        <mc:Choice xmlns:a14="http://schemas.microsoft.com/office/drawing/2010/main" Requires="a14">
+      <mc:AlternateContent xmlns:mc="http://schemas.openxmlformats.org/markup-compatibility/2006" xmlns:a14="http://schemas.microsoft.com/office/drawing/2010/main">
+        <mc:Choice Requires="a14">
           <p:sp>
             <p:nvSpPr>
               <p:cNvPr id="29" name="Tekstfelt 28">
@@ -6537,7 +6552,7 @@
             </p:txBody>
           </p:sp>
         </mc:Choice>
-        <mc:Fallback>
+        <mc:Fallback xmlns="">
           <p:sp>
             <p:nvSpPr>
               <p:cNvPr id="29" name="Tekstfelt 28">
@@ -6582,8 +6597,8 @@
           </p:sp>
         </mc:Fallback>
       </mc:AlternateContent>
-      <mc:AlternateContent xmlns:mc="http://schemas.openxmlformats.org/markup-compatibility/2006">
-        <mc:Choice xmlns:a14="http://schemas.microsoft.com/office/drawing/2010/main" Requires="a14">
+      <mc:AlternateContent xmlns:mc="http://schemas.openxmlformats.org/markup-compatibility/2006" xmlns:a14="http://schemas.microsoft.com/office/drawing/2010/main">
+        <mc:Choice Requires="a14">
           <p:sp>
             <p:nvSpPr>
               <p:cNvPr id="30" name="Tekstfelt 29">
@@ -6612,6 +6627,7 @@
               </a:bodyPr>
               <a:lstStyle/>
               <a:p>
+                <a:pPr/>
                 <a14:m>
                   <m:oMathPara xmlns:m="http://schemas.openxmlformats.org/officeDocument/2006/math">
                     <m:oMathParaPr>
@@ -6632,7 +6648,7 @@
             </p:txBody>
           </p:sp>
         </mc:Choice>
-        <mc:Fallback>
+        <mc:Fallback xmlns="">
           <p:sp>
             <p:nvSpPr>
               <p:cNvPr id="30" name="Tekstfelt 29">
@@ -6677,8 +6693,8 @@
           </p:sp>
         </mc:Fallback>
       </mc:AlternateContent>
-      <mc:AlternateContent xmlns:mc="http://schemas.openxmlformats.org/markup-compatibility/2006">
-        <mc:Choice xmlns:a14="http://schemas.microsoft.com/office/drawing/2010/main" Requires="a14">
+      <mc:AlternateContent xmlns:mc="http://schemas.openxmlformats.org/markup-compatibility/2006" xmlns:a14="http://schemas.microsoft.com/office/drawing/2010/main">
+        <mc:Choice Requires="a14">
           <p:sp>
             <p:nvSpPr>
               <p:cNvPr id="31" name="Tekstfelt 30">
@@ -6707,6 +6723,7 @@
               </a:bodyPr>
               <a:lstStyle/>
               <a:p>
+                <a:pPr/>
                 <a14:m>
                   <m:oMathPara xmlns:m="http://schemas.openxmlformats.org/officeDocument/2006/math">
                     <m:oMathParaPr>
@@ -6727,7 +6744,7 @@
             </p:txBody>
           </p:sp>
         </mc:Choice>
-        <mc:Fallback>
+        <mc:Fallback xmlns="">
           <p:sp>
             <p:nvSpPr>
               <p:cNvPr id="31" name="Tekstfelt 30">
@@ -6772,8 +6789,8 @@
           </p:sp>
         </mc:Fallback>
       </mc:AlternateContent>
-      <mc:AlternateContent xmlns:mc="http://schemas.openxmlformats.org/markup-compatibility/2006">
-        <mc:Choice xmlns:a14="http://schemas.microsoft.com/office/drawing/2010/main" Requires="a14">
+      <mc:AlternateContent xmlns:mc="http://schemas.openxmlformats.org/markup-compatibility/2006" xmlns:a14="http://schemas.microsoft.com/office/drawing/2010/main">
+        <mc:Choice Requires="a14">
           <p:sp>
             <p:nvSpPr>
               <p:cNvPr id="32" name="Tekstfelt 31">
@@ -6802,6 +6819,7 @@
               </a:bodyPr>
               <a:lstStyle/>
               <a:p>
+                <a:pPr/>
                 <a14:m>
                   <m:oMathPara xmlns:m="http://schemas.openxmlformats.org/officeDocument/2006/math">
                     <m:oMathParaPr>
@@ -6822,7 +6840,7 @@
             </p:txBody>
           </p:sp>
         </mc:Choice>
-        <mc:Fallback>
+        <mc:Fallback xmlns="">
           <p:sp>
             <p:nvSpPr>
               <p:cNvPr id="32" name="Tekstfelt 31">
@@ -6867,8 +6885,8 @@
           </p:sp>
         </mc:Fallback>
       </mc:AlternateContent>
-      <mc:AlternateContent xmlns:mc="http://schemas.openxmlformats.org/markup-compatibility/2006">
-        <mc:Choice xmlns:p14="http://schemas.microsoft.com/office/powerpoint/2010/main" Requires="p14">
+      <mc:AlternateContent xmlns:mc="http://schemas.openxmlformats.org/markup-compatibility/2006" xmlns:p14="http://schemas.microsoft.com/office/powerpoint/2010/main">
+        <mc:Choice Requires="p14">
           <p:contentPart p14:bwMode="auto" r:id="rId11">
             <p14:nvContentPartPr>
               <p14:cNvPr id="33" name="Håndskrift 32">
@@ -6887,7 +6905,7 @@
             </p14:xfrm>
           </p:contentPart>
         </mc:Choice>
-        <mc:Fallback>
+        <mc:Fallback xmlns="">
           <p:pic>
             <p:nvPicPr>
               <p:cNvPr id="33" name="Håndskrift 32">
@@ -6938,8 +6956,8 @@
             <a:chExt cx="1086840" cy="807480"/>
           </a:xfrm>
         </p:grpSpPr>
-        <mc:AlternateContent xmlns:mc="http://schemas.openxmlformats.org/markup-compatibility/2006">
-          <mc:Choice xmlns:p14="http://schemas.microsoft.com/office/powerpoint/2010/main" Requires="p14">
+        <mc:AlternateContent xmlns:mc="http://schemas.openxmlformats.org/markup-compatibility/2006" xmlns:p14="http://schemas.microsoft.com/office/powerpoint/2010/main">
+          <mc:Choice Requires="p14">
             <p:contentPart p14:bwMode="auto" r:id="rId13">
               <p14:nvContentPartPr>
                 <p14:cNvPr id="37" name="Håndskrift 36">
@@ -6958,7 +6976,7 @@
               </p14:xfrm>
             </p:contentPart>
           </mc:Choice>
-          <mc:Fallback>
+          <mc:Fallback xmlns="">
             <p:pic>
               <p:nvPicPr>
                 <p:cNvPr id="37" name="Håndskrift 36">
@@ -6989,8 +7007,8 @@
             </p:pic>
           </mc:Fallback>
         </mc:AlternateContent>
-        <mc:AlternateContent xmlns:mc="http://schemas.openxmlformats.org/markup-compatibility/2006">
-          <mc:Choice xmlns:p14="http://schemas.microsoft.com/office/powerpoint/2010/main" Requires="p14">
+        <mc:AlternateContent xmlns:mc="http://schemas.openxmlformats.org/markup-compatibility/2006" xmlns:p14="http://schemas.microsoft.com/office/powerpoint/2010/main">
+          <mc:Choice Requires="p14">
             <p:contentPart p14:bwMode="auto" r:id="rId15">
               <p14:nvContentPartPr>
                 <p14:cNvPr id="38" name="Håndskrift 37">
@@ -7009,7 +7027,7 @@
               </p14:xfrm>
             </p:contentPart>
           </mc:Choice>
-          <mc:Fallback>
+          <mc:Fallback xmlns="">
             <p:pic>
               <p:nvPicPr>
                 <p:cNvPr id="38" name="Håndskrift 37">
@@ -7041,8 +7059,8 @@
           </mc:Fallback>
         </mc:AlternateContent>
       </p:grpSp>
-      <mc:AlternateContent xmlns:mc="http://schemas.openxmlformats.org/markup-compatibility/2006">
-        <mc:Choice xmlns:p14="http://schemas.microsoft.com/office/powerpoint/2010/main" Requires="p14">
+      <mc:AlternateContent xmlns:mc="http://schemas.openxmlformats.org/markup-compatibility/2006" xmlns:p14="http://schemas.microsoft.com/office/powerpoint/2010/main">
+        <mc:Choice Requires="p14">
           <p:contentPart p14:bwMode="auto" r:id="rId17">
             <p14:nvContentPartPr>
               <p14:cNvPr id="41" name="Håndskrift 40">
@@ -7061,7 +7079,7 @@
             </p14:xfrm>
           </p:contentPart>
         </mc:Choice>
-        <mc:Fallback>
+        <mc:Fallback xmlns="">
           <p:pic>
             <p:nvPicPr>
               <p:cNvPr id="41" name="Håndskrift 40">
@@ -7348,8 +7366,8 @@
           </a:p>
         </p:txBody>
       </p:sp>
-      <mc:AlternateContent xmlns:mc="http://schemas.openxmlformats.org/markup-compatibility/2006">
-        <mc:Choice xmlns:p14="http://schemas.microsoft.com/office/powerpoint/2010/main" xmlns:aink="http://schemas.microsoft.com/office/drawing/2016/ink" Requires="p14 aink">
+      <mc:AlternateContent xmlns:mc="http://schemas.openxmlformats.org/markup-compatibility/2006" xmlns:p14="http://schemas.microsoft.com/office/powerpoint/2010/main" xmlns:aink="http://schemas.microsoft.com/office/drawing/2016/ink">
+        <mc:Choice Requires="p14 aink">
           <p:contentPart p14:bwMode="auto" r:id="rId4">
             <p14:nvContentPartPr>
               <p14:cNvPr id="16" name="Håndskrift 15">
@@ -7368,7 +7386,7 @@
             </p14:xfrm>
           </p:contentPart>
         </mc:Choice>
-        <mc:Fallback>
+        <mc:Fallback xmlns="">
           <p:pic>
             <p:nvPicPr>
               <p:cNvPr id="16" name="Håndskrift 15">
@@ -7399,8 +7417,8 @@
           </p:pic>
         </mc:Fallback>
       </mc:AlternateContent>
-      <mc:AlternateContent xmlns:mc="http://schemas.openxmlformats.org/markup-compatibility/2006">
-        <mc:Choice xmlns:a14="http://schemas.microsoft.com/office/drawing/2010/main" Requires="a14">
+      <mc:AlternateContent xmlns:mc="http://schemas.openxmlformats.org/markup-compatibility/2006" xmlns:a14="http://schemas.microsoft.com/office/drawing/2010/main">
+        <mc:Choice Requires="a14">
           <p:sp>
             <p:nvSpPr>
               <p:cNvPr id="17" name="Tekstfelt 16">
@@ -7429,6 +7447,7 @@
               </a:bodyPr>
               <a:lstStyle/>
               <a:p>
+                <a:pPr/>
                 <a14:m>
                   <m:oMathPara xmlns:m="http://schemas.openxmlformats.org/officeDocument/2006/math">
                     <m:oMathParaPr>
@@ -7455,7 +7474,7 @@
             </p:txBody>
           </p:sp>
         </mc:Choice>
-        <mc:Fallback>
+        <mc:Fallback xmlns="">
           <p:sp>
             <p:nvSpPr>
               <p:cNvPr id="17" name="Tekstfelt 16">
@@ -7500,8 +7519,8 @@
           </p:sp>
         </mc:Fallback>
       </mc:AlternateContent>
-      <mc:AlternateContent xmlns:mc="http://schemas.openxmlformats.org/markup-compatibility/2006">
-        <mc:Choice xmlns:a14="http://schemas.microsoft.com/office/drawing/2010/main" Requires="a14">
+      <mc:AlternateContent xmlns:mc="http://schemas.openxmlformats.org/markup-compatibility/2006" xmlns:a14="http://schemas.microsoft.com/office/drawing/2010/main">
+        <mc:Choice Requires="a14">
           <p:sp>
             <p:nvSpPr>
               <p:cNvPr id="18" name="Tekstfelt 17">
@@ -7530,6 +7549,7 @@
               </a:bodyPr>
               <a:lstStyle/>
               <a:p>
+                <a:pPr/>
                 <a14:m>
                   <m:oMathPara xmlns:m="http://schemas.openxmlformats.org/officeDocument/2006/math">
                     <m:oMathParaPr>
@@ -7556,7 +7576,7 @@
             </p:txBody>
           </p:sp>
         </mc:Choice>
-        <mc:Fallback>
+        <mc:Fallback xmlns="">
           <p:sp>
             <p:nvSpPr>
               <p:cNvPr id="18" name="Tekstfelt 17">
@@ -7691,8 +7711,8 @@
           </a:p>
         </p:txBody>
       </p:sp>
-      <mc:AlternateContent xmlns:mc="http://schemas.openxmlformats.org/markup-compatibility/2006">
-        <mc:Choice xmlns:p14="http://schemas.microsoft.com/office/powerpoint/2010/main" Requires="p14">
+      <mc:AlternateContent xmlns:mc="http://schemas.openxmlformats.org/markup-compatibility/2006" xmlns:p14="http://schemas.microsoft.com/office/powerpoint/2010/main">
+        <mc:Choice Requires="p14">
           <p:contentPart p14:bwMode="auto" r:id="rId8">
             <p14:nvContentPartPr>
               <p14:cNvPr id="27" name="Håndskrift 26">
@@ -7711,7 +7731,7 @@
             </p14:xfrm>
           </p:contentPart>
         </mc:Choice>
-        <mc:Fallback>
+        <mc:Fallback xmlns="">
           <p:pic>
             <p:nvPicPr>
               <p:cNvPr id="27" name="Håndskrift 26">
@@ -7762,8 +7782,8 @@
             <a:chExt cx="5733720" cy="1317600"/>
           </a:xfrm>
         </p:grpSpPr>
-        <mc:AlternateContent xmlns:mc="http://schemas.openxmlformats.org/markup-compatibility/2006">
-          <mc:Choice xmlns:p14="http://schemas.microsoft.com/office/powerpoint/2010/main" Requires="p14">
+        <mc:AlternateContent xmlns:mc="http://schemas.openxmlformats.org/markup-compatibility/2006" xmlns:p14="http://schemas.microsoft.com/office/powerpoint/2010/main">
+          <mc:Choice Requires="p14">
             <p:contentPart p14:bwMode="auto" r:id="rId10">
               <p14:nvContentPartPr>
                 <p14:cNvPr id="22" name="Håndskrift 21">
@@ -7782,7 +7802,7 @@
               </p14:xfrm>
             </p:contentPart>
           </mc:Choice>
-          <mc:Fallback>
+          <mc:Fallback xmlns="">
             <p:pic>
               <p:nvPicPr>
                 <p:cNvPr id="22" name="Håndskrift 21">
@@ -7813,8 +7833,8 @@
             </p:pic>
           </mc:Fallback>
         </mc:AlternateContent>
-        <mc:AlternateContent xmlns:mc="http://schemas.openxmlformats.org/markup-compatibility/2006">
-          <mc:Choice xmlns:p14="http://schemas.microsoft.com/office/powerpoint/2010/main" Requires="p14">
+        <mc:AlternateContent xmlns:mc="http://schemas.openxmlformats.org/markup-compatibility/2006" xmlns:p14="http://schemas.microsoft.com/office/powerpoint/2010/main">
+          <mc:Choice Requires="p14">
             <p:contentPart p14:bwMode="auto" r:id="rId12">
               <p14:nvContentPartPr>
                 <p14:cNvPr id="23" name="Håndskrift 22">
@@ -7833,7 +7853,7 @@
               </p14:xfrm>
             </p:contentPart>
           </mc:Choice>
-          <mc:Fallback>
+          <mc:Fallback xmlns="">
             <p:pic>
               <p:nvPicPr>
                 <p:cNvPr id="23" name="Håndskrift 22">
@@ -7864,8 +7884,8 @@
             </p:pic>
           </mc:Fallback>
         </mc:AlternateContent>
-        <mc:AlternateContent xmlns:mc="http://schemas.openxmlformats.org/markup-compatibility/2006">
-          <mc:Choice xmlns:p14="http://schemas.microsoft.com/office/powerpoint/2010/main" Requires="p14">
+        <mc:AlternateContent xmlns:mc="http://schemas.openxmlformats.org/markup-compatibility/2006" xmlns:p14="http://schemas.microsoft.com/office/powerpoint/2010/main">
+          <mc:Choice Requires="p14">
             <p:contentPart p14:bwMode="auto" r:id="rId14">
               <p14:nvContentPartPr>
                 <p14:cNvPr id="28" name="Håndskrift 27">
@@ -7884,7 +7904,7 @@
               </p14:xfrm>
             </p:contentPart>
           </mc:Choice>
-          <mc:Fallback>
+          <mc:Fallback xmlns="">
             <p:pic>
               <p:nvPicPr>
                 <p:cNvPr id="28" name="Håndskrift 27">
@@ -8038,8 +8058,8 @@
           </a:prstGeom>
         </p:spPr>
       </p:pic>
-      <mc:AlternateContent xmlns:mc="http://schemas.openxmlformats.org/markup-compatibility/2006">
-        <mc:Choice xmlns:a14="http://schemas.microsoft.com/office/drawing/2010/main" Requires="a14">
+      <mc:AlternateContent xmlns:mc="http://schemas.openxmlformats.org/markup-compatibility/2006" xmlns:a14="http://schemas.microsoft.com/office/drawing/2010/main">
+        <mc:Choice Requires="a14">
           <p:sp>
             <p:nvSpPr>
               <p:cNvPr id="6" name="Tekstfelt 5">
@@ -8131,7 +8151,7 @@
             </p:txBody>
           </p:sp>
         </mc:Choice>
-        <mc:Fallback>
+        <mc:Fallback xmlns="">
           <p:sp>
             <p:nvSpPr>
               <p:cNvPr id="6" name="Tekstfelt 5">
@@ -8176,8 +8196,8 @@
           </p:sp>
         </mc:Fallback>
       </mc:AlternateContent>
-      <mc:AlternateContent xmlns:mc="http://schemas.openxmlformats.org/markup-compatibility/2006">
-        <mc:Choice xmlns:p14="http://schemas.microsoft.com/office/powerpoint/2010/main" Requires="p14">
+      <mc:AlternateContent xmlns:mc="http://schemas.openxmlformats.org/markup-compatibility/2006" xmlns:p14="http://schemas.microsoft.com/office/powerpoint/2010/main">
+        <mc:Choice Requires="p14">
           <p:contentPart p14:bwMode="auto" r:id="rId4">
             <p14:nvContentPartPr>
               <p14:cNvPr id="13" name="Håndskrift 12">
@@ -8196,7 +8216,7 @@
             </p14:xfrm>
           </p:contentPart>
         </mc:Choice>
-        <mc:Fallback>
+        <mc:Fallback xmlns="">
           <p:pic>
             <p:nvPicPr>
               <p:cNvPr id="13" name="Håndskrift 12">
@@ -8227,8 +8247,8 @@
           </p:pic>
         </mc:Fallback>
       </mc:AlternateContent>
-      <mc:AlternateContent xmlns:mc="http://schemas.openxmlformats.org/markup-compatibility/2006">
-        <mc:Choice xmlns:p14="http://schemas.microsoft.com/office/powerpoint/2010/main" Requires="p14">
+      <mc:AlternateContent xmlns:mc="http://schemas.openxmlformats.org/markup-compatibility/2006" xmlns:p14="http://schemas.microsoft.com/office/powerpoint/2010/main">
+        <mc:Choice Requires="p14">
           <p:contentPart p14:bwMode="auto" r:id="rId6">
             <p14:nvContentPartPr>
               <p14:cNvPr id="16" name="Håndskrift 15">
@@ -8247,7 +8267,7 @@
             </p14:xfrm>
           </p:contentPart>
         </mc:Choice>
-        <mc:Fallback>
+        <mc:Fallback xmlns="">
           <p:pic>
             <p:nvPicPr>
               <p:cNvPr id="16" name="Håndskrift 15">
@@ -8278,8 +8298,8 @@
           </p:pic>
         </mc:Fallback>
       </mc:AlternateContent>
-      <mc:AlternateContent xmlns:mc="http://schemas.openxmlformats.org/markup-compatibility/2006">
-        <mc:Choice xmlns:p14="http://schemas.microsoft.com/office/powerpoint/2010/main" Requires="p14">
+      <mc:AlternateContent xmlns:mc="http://schemas.openxmlformats.org/markup-compatibility/2006" xmlns:p14="http://schemas.microsoft.com/office/powerpoint/2010/main">
+        <mc:Choice Requires="p14">
           <p:contentPart p14:bwMode="auto" r:id="rId8">
             <p14:nvContentPartPr>
               <p14:cNvPr id="18" name="Håndskrift 17">
@@ -8298,7 +8318,7 @@
             </p14:xfrm>
           </p:contentPart>
         </mc:Choice>
-        <mc:Fallback>
+        <mc:Fallback xmlns="">
           <p:pic>
             <p:nvPicPr>
               <p:cNvPr id="18" name="Håndskrift 17">
@@ -8329,8 +8349,8 @@
           </p:pic>
         </mc:Fallback>
       </mc:AlternateContent>
-      <mc:AlternateContent xmlns:mc="http://schemas.openxmlformats.org/markup-compatibility/2006">
-        <mc:Choice xmlns:a14="http://schemas.microsoft.com/office/drawing/2010/main" Requires="a14">
+      <mc:AlternateContent xmlns:mc="http://schemas.openxmlformats.org/markup-compatibility/2006" xmlns:a14="http://schemas.microsoft.com/office/drawing/2010/main">
+        <mc:Choice Requires="a14">
           <p:sp>
             <p:nvSpPr>
               <p:cNvPr id="19" name="Tekstfelt 18">
@@ -8359,6 +8379,7 @@
               </a:bodyPr>
               <a:lstStyle/>
               <a:p>
+                <a:pPr/>
                 <a14:m>
                   <m:oMathPara xmlns:m="http://schemas.openxmlformats.org/officeDocument/2006/math">
                     <m:oMathParaPr>
@@ -8460,7 +8481,7 @@
             </p:txBody>
           </p:sp>
         </mc:Choice>
-        <mc:Fallback>
+        <mc:Fallback xmlns="">
           <p:sp>
             <p:nvSpPr>
               <p:cNvPr id="19" name="Tekstfelt 18">
@@ -8571,8 +8592,8 @@
           </a:p>
         </p:txBody>
       </p:sp>
-      <mc:AlternateContent xmlns:mc="http://schemas.openxmlformats.org/markup-compatibility/2006">
-        <mc:Choice xmlns:p14="http://schemas.microsoft.com/office/powerpoint/2010/main" Requires="p14">
+      <mc:AlternateContent xmlns:mc="http://schemas.openxmlformats.org/markup-compatibility/2006" xmlns:p14="http://schemas.microsoft.com/office/powerpoint/2010/main">
+        <mc:Choice Requires="p14">
           <p:contentPart p14:bwMode="auto" r:id="rId11">
             <p14:nvContentPartPr>
               <p14:cNvPr id="22" name="Håndskrift 21">
@@ -8591,7 +8612,7 @@
             </p14:xfrm>
           </p:contentPart>
         </mc:Choice>
-        <mc:Fallback>
+        <mc:Fallback xmlns="">
           <p:pic>
             <p:nvPicPr>
               <p:cNvPr id="22" name="Håndskrift 21">
@@ -8622,8 +8643,8 @@
           </p:pic>
         </mc:Fallback>
       </mc:AlternateContent>
-      <mc:AlternateContent xmlns:mc="http://schemas.openxmlformats.org/markup-compatibility/2006">
-        <mc:Choice xmlns:a14="http://schemas.microsoft.com/office/drawing/2010/main" Requires="a14">
+      <mc:AlternateContent xmlns:mc="http://schemas.openxmlformats.org/markup-compatibility/2006" xmlns:a14="http://schemas.microsoft.com/office/drawing/2010/main">
+        <mc:Choice Requires="a14">
           <p:sp>
             <p:nvSpPr>
               <p:cNvPr id="23" name="Tekstfelt 22">
@@ -8698,7 +8719,7 @@
             </p:txBody>
           </p:sp>
         </mc:Choice>
-        <mc:Fallback>
+        <mc:Fallback xmlns="">
           <p:sp>
             <p:nvSpPr>
               <p:cNvPr id="23" name="Tekstfelt 22">
@@ -9007,8 +9028,8 @@
             <a:chExt cx="1009440" cy="1052280"/>
           </a:xfrm>
         </p:grpSpPr>
-        <mc:AlternateContent xmlns:mc="http://schemas.openxmlformats.org/markup-compatibility/2006">
-          <mc:Choice xmlns:p14="http://schemas.microsoft.com/office/powerpoint/2010/main" Requires="p14">
+        <mc:AlternateContent xmlns:mc="http://schemas.openxmlformats.org/markup-compatibility/2006" xmlns:p14="http://schemas.microsoft.com/office/powerpoint/2010/main">
+          <mc:Choice Requires="p14">
             <p:contentPart p14:bwMode="auto" r:id="rId4">
               <p14:nvContentPartPr>
                 <p14:cNvPr id="8" name="Håndskrift 7">
@@ -9027,7 +9048,7 @@
               </p14:xfrm>
             </p:contentPart>
           </mc:Choice>
-          <mc:Fallback>
+          <mc:Fallback xmlns="">
             <p:pic>
               <p:nvPicPr>
                 <p:cNvPr id="8" name="Håndskrift 7">
@@ -9058,8 +9079,8 @@
             </p:pic>
           </mc:Fallback>
         </mc:AlternateContent>
-        <mc:AlternateContent xmlns:mc="http://schemas.openxmlformats.org/markup-compatibility/2006">
-          <mc:Choice xmlns:p14="http://schemas.microsoft.com/office/powerpoint/2010/main" Requires="p14">
+        <mc:AlternateContent xmlns:mc="http://schemas.openxmlformats.org/markup-compatibility/2006" xmlns:p14="http://schemas.microsoft.com/office/powerpoint/2010/main">
+          <mc:Choice Requires="p14">
             <p:contentPart p14:bwMode="auto" r:id="rId6">
               <p14:nvContentPartPr>
                 <p14:cNvPr id="9" name="Håndskrift 8">
@@ -9078,7 +9099,7 @@
               </p14:xfrm>
             </p:contentPart>
           </mc:Choice>
-          <mc:Fallback>
+          <mc:Fallback xmlns="">
             <p:pic>
               <p:nvPicPr>
                 <p:cNvPr id="9" name="Håndskrift 8">
@@ -9109,8 +9130,8 @@
             </p:pic>
           </mc:Fallback>
         </mc:AlternateContent>
-        <mc:AlternateContent xmlns:mc="http://schemas.openxmlformats.org/markup-compatibility/2006">
-          <mc:Choice xmlns:p14="http://schemas.microsoft.com/office/powerpoint/2010/main" Requires="p14">
+        <mc:AlternateContent xmlns:mc="http://schemas.openxmlformats.org/markup-compatibility/2006" xmlns:p14="http://schemas.microsoft.com/office/powerpoint/2010/main">
+          <mc:Choice Requires="p14">
             <p:contentPart p14:bwMode="auto" r:id="rId8">
               <p14:nvContentPartPr>
                 <p14:cNvPr id="10" name="Håndskrift 9">
@@ -9129,7 +9150,7 @@
               </p14:xfrm>
             </p:contentPart>
           </mc:Choice>
-          <mc:Fallback>
+          <mc:Fallback xmlns="">
             <p:pic>
               <p:nvPicPr>
                 <p:cNvPr id="10" name="Håndskrift 9">
@@ -9201,8 +9222,8 @@
           </a:p>
         </p:txBody>
       </p:sp>
-      <mc:AlternateContent xmlns:mc="http://schemas.openxmlformats.org/markup-compatibility/2006">
-        <mc:Choice xmlns:a14="http://schemas.microsoft.com/office/drawing/2010/main" Requires="a14">
+      <mc:AlternateContent xmlns:mc="http://schemas.openxmlformats.org/markup-compatibility/2006" xmlns:a14="http://schemas.microsoft.com/office/drawing/2010/main">
+        <mc:Choice Requires="a14">
           <p:sp>
             <p:nvSpPr>
               <p:cNvPr id="13" name="Tekstfelt 12">
@@ -9287,7 +9308,7 @@
             </p:txBody>
           </p:sp>
         </mc:Choice>
-        <mc:Fallback>
+        <mc:Fallback xmlns="">
           <p:sp>
             <p:nvSpPr>
               <p:cNvPr id="13" name="Tekstfelt 12">
@@ -9485,8 +9506,8 @@
           </a:p>
         </p:txBody>
       </p:sp>
-      <mc:AlternateContent xmlns:mc="http://schemas.openxmlformats.org/markup-compatibility/2006">
-        <mc:Choice xmlns:a14="http://schemas.microsoft.com/office/drawing/2010/main" Requires="a14">
+      <mc:AlternateContent xmlns:mc="http://schemas.openxmlformats.org/markup-compatibility/2006" xmlns:a14="http://schemas.microsoft.com/office/drawing/2010/main">
+        <mc:Choice Requires="a14">
           <p:sp>
             <p:nvSpPr>
               <p:cNvPr id="14" name="Tekstfelt 13">
@@ -9515,6 +9536,7 @@
               </a:bodyPr>
               <a:lstStyle/>
               <a:p>
+                <a:pPr/>
                 <a14:m>
                   <m:oMathPara xmlns:m="http://schemas.openxmlformats.org/officeDocument/2006/math">
                     <m:oMathParaPr>
@@ -9560,7 +9582,7 @@
             </p:txBody>
           </p:sp>
         </mc:Choice>
-        <mc:Fallback>
+        <mc:Fallback xmlns="">
           <p:sp>
             <p:nvSpPr>
               <p:cNvPr id="14" name="Tekstfelt 13">
@@ -9605,8 +9627,8 @@
           </p:sp>
         </mc:Fallback>
       </mc:AlternateContent>
-      <mc:AlternateContent xmlns:mc="http://schemas.openxmlformats.org/markup-compatibility/2006">
-        <mc:Choice xmlns:a14="http://schemas.microsoft.com/office/drawing/2010/main" Requires="a14">
+      <mc:AlternateContent xmlns:mc="http://schemas.openxmlformats.org/markup-compatibility/2006" xmlns:a14="http://schemas.microsoft.com/office/drawing/2010/main">
+        <mc:Choice Requires="a14">
           <p:sp>
             <p:nvSpPr>
               <p:cNvPr id="15" name="Tekstfelt 14">
@@ -9635,6 +9657,7 @@
               </a:bodyPr>
               <a:lstStyle/>
               <a:p>
+                <a:pPr/>
                 <a14:m>
                   <m:oMathPara xmlns:m="http://schemas.openxmlformats.org/officeDocument/2006/math">
                     <m:oMathParaPr>
@@ -9680,7 +9703,7 @@
             </p:txBody>
           </p:sp>
         </mc:Choice>
-        <mc:Fallback>
+        <mc:Fallback xmlns="">
           <p:sp>
             <p:nvSpPr>
               <p:cNvPr id="15" name="Tekstfelt 14">
@@ -9725,8 +9748,8 @@
           </p:sp>
         </mc:Fallback>
       </mc:AlternateContent>
-      <mc:AlternateContent xmlns:mc="http://schemas.openxmlformats.org/markup-compatibility/2006">
-        <mc:Choice xmlns:a14="http://schemas.microsoft.com/office/drawing/2010/main" Requires="a14">
+      <mc:AlternateContent xmlns:mc="http://schemas.openxmlformats.org/markup-compatibility/2006" xmlns:a14="http://schemas.microsoft.com/office/drawing/2010/main">
+        <mc:Choice Requires="a14">
           <p:sp>
             <p:nvSpPr>
               <p:cNvPr id="16" name="Tekstfelt 15">
@@ -9755,6 +9778,7 @@
               </a:bodyPr>
               <a:lstStyle/>
               <a:p>
+                <a:pPr/>
                 <a14:m>
                   <m:oMathPara xmlns:m="http://schemas.openxmlformats.org/officeDocument/2006/math">
                     <m:oMathParaPr>
@@ -9800,7 +9824,7 @@
             </p:txBody>
           </p:sp>
         </mc:Choice>
-        <mc:Fallback>
+        <mc:Fallback xmlns="">
           <p:sp>
             <p:nvSpPr>
               <p:cNvPr id="16" name="Tekstfelt 15">
@@ -9970,8 +9994,8 @@
           </a:prstGeom>
         </p:spPr>
       </p:pic>
-      <mc:AlternateContent xmlns:mc="http://schemas.openxmlformats.org/markup-compatibility/2006">
-        <mc:Choice xmlns:p14="http://schemas.microsoft.com/office/powerpoint/2010/main" Requires="p14">
+      <mc:AlternateContent xmlns:mc="http://schemas.openxmlformats.org/markup-compatibility/2006" xmlns:p14="http://schemas.microsoft.com/office/powerpoint/2010/main">
+        <mc:Choice Requires="p14">
           <p:contentPart p14:bwMode="auto" r:id="rId3">
             <p14:nvContentPartPr>
               <p14:cNvPr id="6" name="Håndskrift 5">
@@ -9990,7 +10014,7 @@
             </p14:xfrm>
           </p:contentPart>
         </mc:Choice>
-        <mc:Fallback>
+        <mc:Fallback xmlns="">
           <p:pic>
             <p:nvPicPr>
               <p:cNvPr id="6" name="Håndskrift 5">
@@ -10021,8 +10045,8 @@
           </p:pic>
         </mc:Fallback>
       </mc:AlternateContent>
-      <mc:AlternateContent xmlns:mc="http://schemas.openxmlformats.org/markup-compatibility/2006">
-        <mc:Choice xmlns:p14="http://schemas.microsoft.com/office/powerpoint/2010/main" Requires="p14">
+      <mc:AlternateContent xmlns:mc="http://schemas.openxmlformats.org/markup-compatibility/2006" xmlns:p14="http://schemas.microsoft.com/office/powerpoint/2010/main">
+        <mc:Choice Requires="p14">
           <p:contentPart p14:bwMode="auto" r:id="rId5">
             <p14:nvContentPartPr>
               <p14:cNvPr id="9" name="Håndskrift 8">
@@ -10041,7 +10065,7 @@
             </p14:xfrm>
           </p:contentPart>
         </mc:Choice>
-        <mc:Fallback>
+        <mc:Fallback xmlns="">
           <p:pic>
             <p:nvPicPr>
               <p:cNvPr id="9" name="Håndskrift 8">
@@ -10102,6 +10126,7 @@
               </a:bodyPr>
               <a:lstStyle/>
               <a:p>
+                <a:pPr/>
                 <a14:m>
                   <m:oMathPara xmlns:m="http://schemas.openxmlformats.org/officeDocument/2006/math">
                     <m:oMathParaPr>
@@ -10137,7 +10162,19 @@
                         <a:rPr lang="en-US" b="0" i="1" smtClean="0">
                           <a:latin typeface="Cambria Math" panose="02040503050406030204" pitchFamily="18" charset="0"/>
                         </a:rPr>
-                        <m:t>=0.8919</m:t>
+                        <m:t>=0.</m:t>
+                      </m:r>
+                      <m:r>
+                        <a:rPr lang="en-US" b="0" i="1" smtClean="0">
+                          <a:latin typeface="Cambria Math" panose="02040503050406030204" pitchFamily="18" charset="0"/>
+                        </a:rPr>
+                        <m:t>98</m:t>
+                      </m:r>
+                      <m:r>
+                        <a:rPr lang="en-US" b="0" i="1" smtClean="0">
+                          <a:latin typeface="Cambria Math" panose="02040503050406030204" pitchFamily="18" charset="0"/>
+                        </a:rPr>
+                        <m:t>19</m:t>
                       </m:r>
                     </m:oMath>
                   </m:oMathPara>
@@ -10714,36 +10751,6 @@
           </a:prstGeom>
         </p:spPr>
       </p:pic>
-      <p:pic>
-        <p:nvPicPr>
-          <p:cNvPr id="15" name="Billede 14">
-            <a:extLst>
-              <a:ext uri="{FF2B5EF4-FFF2-40B4-BE49-F238E27FC236}">
-                <a16:creationId xmlns:a16="http://schemas.microsoft.com/office/drawing/2014/main" id="{722ADAC7-8CD1-6A09-3E81-C5AC87520BCE}"/>
-              </a:ext>
-            </a:extLst>
-          </p:cNvPr>
-          <p:cNvPicPr>
-            <a:picLocks noChangeAspect="1"/>
-          </p:cNvPicPr>
-          <p:nvPr/>
-        </p:nvPicPr>
-        <p:blipFill>
-          <a:blip r:embed="rId5"/>
-          <a:stretch>
-            <a:fillRect/>
-          </a:stretch>
-        </p:blipFill>
-        <p:spPr>
-          <a:xfrm>
-            <a:off x="110343" y="5063212"/>
-            <a:ext cx="1438476" cy="333422"/>
-          </a:xfrm>
-          <a:prstGeom prst="rect">
-            <a:avLst/>
-          </a:prstGeom>
-        </p:spPr>
-      </p:pic>
       <p:sp>
         <p:nvSpPr>
           <p:cNvPr id="16" name="Tekstfelt 15">
@@ -10804,8 +10811,8 @@
           </a:p>
         </p:txBody>
       </p:sp>
-      <mc:AlternateContent xmlns:mc="http://schemas.openxmlformats.org/markup-compatibility/2006">
-        <mc:Choice xmlns:a14="http://schemas.microsoft.com/office/drawing/2010/main" Requires="a14">
+      <mc:AlternateContent xmlns:mc="http://schemas.openxmlformats.org/markup-compatibility/2006" xmlns:a14="http://schemas.microsoft.com/office/drawing/2010/main">
+        <mc:Choice Requires="a14">
           <p:sp>
             <p:nvSpPr>
               <p:cNvPr id="17" name="Tekstfelt 16">
@@ -10852,7 +10859,7 @@
             </p:txBody>
           </p:sp>
         </mc:Choice>
-        <mc:Fallback>
+        <mc:Fallback xmlns="">
           <p:sp>
             <p:nvSpPr>
               <p:cNvPr id="17" name="Tekstfelt 16">
@@ -10897,8 +10904,8 @@
           </p:sp>
         </mc:Fallback>
       </mc:AlternateContent>
-      <mc:AlternateContent xmlns:mc="http://schemas.openxmlformats.org/markup-compatibility/2006">
-        <mc:Choice xmlns:p14="http://schemas.microsoft.com/office/powerpoint/2010/main" Requires="p14">
+      <mc:AlternateContent xmlns:mc="http://schemas.openxmlformats.org/markup-compatibility/2006" xmlns:p14="http://schemas.microsoft.com/office/powerpoint/2010/main">
+        <mc:Choice Requires="p14">
           <p:contentPart p14:bwMode="auto" r:id="rId7">
             <p14:nvContentPartPr>
               <p14:cNvPr id="18" name="Håndskrift 17">
@@ -10917,7 +10924,7 @@
             </p14:xfrm>
           </p:contentPart>
         </mc:Choice>
-        <mc:Fallback>
+        <mc:Fallback xmlns="">
           <p:pic>
             <p:nvPicPr>
               <p:cNvPr id="18" name="Håndskrift 17">
@@ -10968,8 +10975,8 @@
             <a:chExt cx="375120" cy="485280"/>
           </a:xfrm>
         </p:grpSpPr>
-        <mc:AlternateContent xmlns:mc="http://schemas.openxmlformats.org/markup-compatibility/2006">
-          <mc:Choice xmlns:p14="http://schemas.microsoft.com/office/powerpoint/2010/main" Requires="p14">
+        <mc:AlternateContent xmlns:mc="http://schemas.openxmlformats.org/markup-compatibility/2006" xmlns:p14="http://schemas.microsoft.com/office/powerpoint/2010/main">
+          <mc:Choice Requires="p14">
             <p:contentPart p14:bwMode="auto" r:id="rId9">
               <p14:nvContentPartPr>
                 <p14:cNvPr id="20" name="Håndskrift 19">
@@ -10988,7 +10995,7 @@
               </p14:xfrm>
             </p:contentPart>
           </mc:Choice>
-          <mc:Fallback>
+          <mc:Fallback xmlns="">
             <p:pic>
               <p:nvPicPr>
                 <p:cNvPr id="20" name="Håndskrift 19">
@@ -11019,8 +11026,8 @@
             </p:pic>
           </mc:Fallback>
         </mc:AlternateContent>
-        <mc:AlternateContent xmlns:mc="http://schemas.openxmlformats.org/markup-compatibility/2006">
-          <mc:Choice xmlns:p14="http://schemas.microsoft.com/office/powerpoint/2010/main" Requires="p14">
+        <mc:AlternateContent xmlns:mc="http://schemas.openxmlformats.org/markup-compatibility/2006" xmlns:p14="http://schemas.microsoft.com/office/powerpoint/2010/main">
+          <mc:Choice Requires="p14">
             <p:contentPart p14:bwMode="auto" r:id="rId11">
               <p14:nvContentPartPr>
                 <p14:cNvPr id="21" name="Håndskrift 20">
@@ -11039,7 +11046,7 @@
               </p14:xfrm>
             </p:contentPart>
           </mc:Choice>
-          <mc:Fallback>
+          <mc:Fallback xmlns="">
             <p:pic>
               <p:nvPicPr>
                 <p:cNvPr id="21" name="Håndskrift 20">
@@ -11070,8 +11077,8 @@
             </p:pic>
           </mc:Fallback>
         </mc:AlternateContent>
-        <mc:AlternateContent xmlns:mc="http://schemas.openxmlformats.org/markup-compatibility/2006">
-          <mc:Choice xmlns:p14="http://schemas.microsoft.com/office/powerpoint/2010/main" Requires="p14">
+        <mc:AlternateContent xmlns:mc="http://schemas.openxmlformats.org/markup-compatibility/2006" xmlns:p14="http://schemas.microsoft.com/office/powerpoint/2010/main">
+          <mc:Choice Requires="p14">
             <p:contentPart p14:bwMode="auto" r:id="rId13">
               <p14:nvContentPartPr>
                 <p14:cNvPr id="22" name="Håndskrift 21">
@@ -11090,7 +11097,7 @@
               </p14:xfrm>
             </p:contentPart>
           </mc:Choice>
-          <mc:Fallback>
+          <mc:Fallback xmlns="">
             <p:pic>
               <p:nvPicPr>
                 <p:cNvPr id="22" name="Håndskrift 21">
@@ -11122,8 +11129,8 @@
           </mc:Fallback>
         </mc:AlternateContent>
       </p:grpSp>
-      <mc:AlternateContent xmlns:mc="http://schemas.openxmlformats.org/markup-compatibility/2006">
-        <mc:Choice xmlns:a14="http://schemas.microsoft.com/office/drawing/2010/main" Requires="a14">
+      <mc:AlternateContent xmlns:mc="http://schemas.openxmlformats.org/markup-compatibility/2006" xmlns:a14="http://schemas.microsoft.com/office/drawing/2010/main">
+        <mc:Choice Requires="a14">
           <p:sp>
             <p:nvSpPr>
               <p:cNvPr id="24" name="Tekstfelt 23">
@@ -11206,7 +11213,7 @@
             </p:txBody>
           </p:sp>
         </mc:Choice>
-        <mc:Fallback>
+        <mc:Fallback xmlns="">
           <p:sp>
             <p:nvSpPr>
               <p:cNvPr id="24" name="Tekstfelt 23">
@@ -11281,8 +11288,8 @@
           </a:prstGeom>
         </p:spPr>
       </p:pic>
-      <mc:AlternateContent xmlns:mc="http://schemas.openxmlformats.org/markup-compatibility/2006">
-        <mc:Choice xmlns:p14="http://schemas.microsoft.com/office/powerpoint/2010/main" Requires="p14">
+      <mc:AlternateContent xmlns:mc="http://schemas.openxmlformats.org/markup-compatibility/2006" xmlns:p14="http://schemas.microsoft.com/office/powerpoint/2010/main">
+        <mc:Choice Requires="p14">
           <p:contentPart p14:bwMode="auto" r:id="rId17">
             <p14:nvContentPartPr>
               <p14:cNvPr id="29" name="Håndskrift 28">
@@ -11301,7 +11308,7 @@
             </p14:xfrm>
           </p:contentPart>
         </mc:Choice>
-        <mc:Fallback>
+        <mc:Fallback xmlns="">
           <p:pic>
             <p:nvPicPr>
               <p:cNvPr id="29" name="Håndskrift 28">
@@ -11332,8 +11339,8 @@
           </p:pic>
         </mc:Fallback>
       </mc:AlternateContent>
-      <mc:AlternateContent xmlns:mc="http://schemas.openxmlformats.org/markup-compatibility/2006">
-        <mc:Choice xmlns:a14="http://schemas.microsoft.com/office/drawing/2010/main" Requires="a14">
+      <mc:AlternateContent xmlns:mc="http://schemas.openxmlformats.org/markup-compatibility/2006" xmlns:a14="http://schemas.microsoft.com/office/drawing/2010/main">
+        <mc:Choice Requires="a14">
           <p:sp>
             <p:nvSpPr>
               <p:cNvPr id="30" name="Tekstfelt 29">
@@ -11362,6 +11369,7 @@
               </a:bodyPr>
               <a:lstStyle/>
               <a:p>
+                <a:pPr/>
                 <a14:m>
                   <m:oMathPara xmlns:m="http://schemas.openxmlformats.org/officeDocument/2006/math">
                     <m:oMathParaPr>
@@ -11407,7 +11415,7 @@
             </p:txBody>
           </p:sp>
         </mc:Choice>
-        <mc:Fallback>
+        <mc:Fallback xmlns="">
           <p:sp>
             <p:nvSpPr>
               <p:cNvPr id="30" name="Tekstfelt 29">
@@ -11452,8 +11460,8 @@
           </p:sp>
         </mc:Fallback>
       </mc:AlternateContent>
-      <mc:AlternateContent xmlns:mc="http://schemas.openxmlformats.org/markup-compatibility/2006">
-        <mc:Choice xmlns:p14="http://schemas.microsoft.com/office/powerpoint/2010/main" Requires="p14">
+      <mc:AlternateContent xmlns:mc="http://schemas.openxmlformats.org/markup-compatibility/2006" xmlns:p14="http://schemas.microsoft.com/office/powerpoint/2010/main">
+        <mc:Choice Requires="p14">
           <p:contentPart p14:bwMode="auto" r:id="rId20">
             <p14:nvContentPartPr>
               <p14:cNvPr id="31" name="Håndskrift 30">
@@ -11472,7 +11480,7 @@
             </p14:xfrm>
           </p:contentPart>
         </mc:Choice>
-        <mc:Fallback>
+        <mc:Fallback xmlns="">
           <p:pic>
             <p:nvPicPr>
               <p:cNvPr id="31" name="Håndskrift 30">
@@ -11503,6 +11511,36 @@
           </p:pic>
         </mc:Fallback>
       </mc:AlternateContent>
+      <p:pic>
+        <p:nvPicPr>
+          <p:cNvPr id="4" name="Billede 3">
+            <a:extLst>
+              <a:ext uri="{FF2B5EF4-FFF2-40B4-BE49-F238E27FC236}">
+                <a16:creationId xmlns:a16="http://schemas.microsoft.com/office/drawing/2014/main" id="{46F7C290-2402-502E-AC0A-DAB1F332083B}"/>
+              </a:ext>
+            </a:extLst>
+          </p:cNvPr>
+          <p:cNvPicPr>
+            <a:picLocks noChangeAspect="1"/>
+          </p:cNvPicPr>
+          <p:nvPr/>
+        </p:nvPicPr>
+        <p:blipFill>
+          <a:blip r:embed="rId22"/>
+          <a:stretch>
+            <a:fillRect/>
+          </a:stretch>
+        </p:blipFill>
+        <p:spPr>
+          <a:xfrm>
+            <a:off x="323467" y="4975900"/>
+            <a:ext cx="1362265" cy="352474"/>
+          </a:xfrm>
+          <a:prstGeom prst="rect">
+            <a:avLst/>
+          </a:prstGeom>
+        </p:spPr>
+      </p:pic>
     </p:spTree>
     <p:extLst>
       <p:ext uri="{BB962C8B-B14F-4D97-AF65-F5344CB8AC3E}">
@@ -11579,8 +11617,8 @@
           </a:p>
         </p:txBody>
       </p:sp>
-      <mc:AlternateContent xmlns:mc="http://schemas.openxmlformats.org/markup-compatibility/2006">
-        <mc:Choice xmlns:a14="http://schemas.microsoft.com/office/drawing/2010/main" Requires="a14">
+      <mc:AlternateContent xmlns:mc="http://schemas.openxmlformats.org/markup-compatibility/2006" xmlns:a14="http://schemas.microsoft.com/office/drawing/2010/main">
+        <mc:Choice Requires="a14">
           <p:sp>
             <p:nvSpPr>
               <p:cNvPr id="4" name="Tekstfelt 3">
@@ -11769,7 +11807,7 @@
             </p:txBody>
           </p:sp>
         </mc:Choice>
-        <mc:Fallback>
+        <mc:Fallback xmlns="">
           <p:sp>
             <p:nvSpPr>
               <p:cNvPr id="4" name="Tekstfelt 3">
@@ -11874,8 +11912,8 @@
           </a:prstGeom>
         </p:spPr>
       </p:pic>
-      <mc:AlternateContent xmlns:mc="http://schemas.openxmlformats.org/markup-compatibility/2006">
-        <mc:Choice xmlns:p14="http://schemas.microsoft.com/office/powerpoint/2010/main" Requires="p14">
+      <mc:AlternateContent xmlns:mc="http://schemas.openxmlformats.org/markup-compatibility/2006" xmlns:p14="http://schemas.microsoft.com/office/powerpoint/2010/main">
+        <mc:Choice Requires="p14">
           <p:contentPart p14:bwMode="auto" r:id="rId5">
             <p14:nvContentPartPr>
               <p14:cNvPr id="9" name="Håndskrift 8">
@@ -11894,7 +11932,7 @@
             </p14:xfrm>
           </p:contentPart>
         </mc:Choice>
-        <mc:Fallback>
+        <mc:Fallback xmlns="">
           <p:pic>
             <p:nvPicPr>
               <p:cNvPr id="9" name="Håndskrift 8">
@@ -11925,8 +11963,8 @@
           </p:pic>
         </mc:Fallback>
       </mc:AlternateContent>
-      <mc:AlternateContent xmlns:mc="http://schemas.openxmlformats.org/markup-compatibility/2006">
-        <mc:Choice xmlns:a14="http://schemas.microsoft.com/office/drawing/2010/main" Requires="a14">
+      <mc:AlternateContent xmlns:mc="http://schemas.openxmlformats.org/markup-compatibility/2006" xmlns:a14="http://schemas.microsoft.com/office/drawing/2010/main">
+        <mc:Choice Requires="a14">
           <p:sp>
             <p:nvSpPr>
               <p:cNvPr id="10" name="Tekstfelt 9">
@@ -11955,6 +11993,7 @@
               </a:bodyPr>
               <a:lstStyle/>
               <a:p>
+                <a:pPr/>
                 <a14:m>
                   <m:oMathPara xmlns:m="http://schemas.openxmlformats.org/officeDocument/2006/math">
                     <m:oMathParaPr>
@@ -12000,7 +12039,7 @@
             </p:txBody>
           </p:sp>
         </mc:Choice>
-        <mc:Fallback>
+        <mc:Fallback xmlns="">
           <p:sp>
             <p:nvSpPr>
               <p:cNvPr id="10" name="Tekstfelt 9">
@@ -12081,8 +12120,8 @@
           </a:p>
         </p:txBody>
       </p:sp>
-      <mc:AlternateContent xmlns:mc="http://schemas.openxmlformats.org/markup-compatibility/2006">
-        <mc:Choice xmlns:p14="http://schemas.microsoft.com/office/powerpoint/2010/main" Requires="p14">
+      <mc:AlternateContent xmlns:mc="http://schemas.openxmlformats.org/markup-compatibility/2006" xmlns:p14="http://schemas.microsoft.com/office/powerpoint/2010/main">
+        <mc:Choice Requires="p14">
           <p:contentPart p14:bwMode="auto" r:id="rId8">
             <p14:nvContentPartPr>
               <p14:cNvPr id="12" name="Håndskrift 11">
@@ -12101,7 +12140,7 @@
             </p14:xfrm>
           </p:contentPart>
         </mc:Choice>
-        <mc:Fallback>
+        <mc:Fallback xmlns="">
           <p:pic>
             <p:nvPicPr>
               <p:cNvPr id="12" name="Håndskrift 11">
@@ -12132,8 +12171,8 @@
           </p:pic>
         </mc:Fallback>
       </mc:AlternateContent>
-      <mc:AlternateContent xmlns:mc="http://schemas.openxmlformats.org/markup-compatibility/2006">
-        <mc:Choice xmlns:a14="http://schemas.microsoft.com/office/drawing/2010/main" Requires="a14">
+      <mc:AlternateContent xmlns:mc="http://schemas.openxmlformats.org/markup-compatibility/2006" xmlns:a14="http://schemas.microsoft.com/office/drawing/2010/main">
+        <mc:Choice Requires="a14">
           <p:sp>
             <p:nvSpPr>
               <p:cNvPr id="13" name="Tekstfelt 12">
@@ -12176,6 +12215,7 @@
                 </a:r>
               </a:p>
               <a:p>
+                <a:pPr/>
                 <a14:m>
                   <m:oMathPara xmlns:m="http://schemas.openxmlformats.org/officeDocument/2006/math">
                     <m:oMathParaPr>
@@ -12318,6 +12358,7 @@
                 </a:r>
               </a:p>
               <a:p>
+                <a:pPr/>
                 <a14:m>
                   <m:oMathPara xmlns:m="http://schemas.openxmlformats.org/officeDocument/2006/math">
                     <m:oMathParaPr>
@@ -12446,13 +12487,7 @@
                         <a:rPr lang="en-US" b="0" i="1" smtClean="0">
                           <a:latin typeface="Cambria Math" panose="02040503050406030204" pitchFamily="18" charset="0"/>
                         </a:rPr>
-                        <m:t>≠</m:t>
-                      </m:r>
-                      <m:r>
-                        <a:rPr lang="en-US" b="0" i="1" smtClean="0">
-                          <a:latin typeface="Cambria Math" panose="02040503050406030204" pitchFamily="18" charset="0"/>
-                        </a:rPr>
-                        <m:t>0</m:t>
+                        <m:t>≠0</m:t>
                       </m:r>
                     </m:oMath>
                   </m:oMathPara>
@@ -12465,7 +12500,7 @@
             </p:txBody>
           </p:sp>
         </mc:Choice>
-        <mc:Fallback>
+        <mc:Fallback xmlns="">
           <p:sp>
             <p:nvSpPr>
               <p:cNvPr id="13" name="Tekstfelt 12">
@@ -12980,8 +13015,8 @@
             <a:chExt cx="3762720" cy="1138680"/>
           </a:xfrm>
         </p:grpSpPr>
-        <mc:AlternateContent xmlns:mc="http://schemas.openxmlformats.org/markup-compatibility/2006">
-          <mc:Choice xmlns:p14="http://schemas.microsoft.com/office/powerpoint/2010/main" Requires="p14">
+        <mc:AlternateContent xmlns:mc="http://schemas.openxmlformats.org/markup-compatibility/2006" xmlns:p14="http://schemas.microsoft.com/office/powerpoint/2010/main">
+          <mc:Choice Requires="p14">
             <p:contentPart p14:bwMode="auto" r:id="rId6">
               <p14:nvContentPartPr>
                 <p14:cNvPr id="20" name="Håndskrift 19">
@@ -13000,7 +13035,7 @@
               </p14:xfrm>
             </p:contentPart>
           </mc:Choice>
-          <mc:Fallback>
+          <mc:Fallback xmlns="">
             <p:pic>
               <p:nvPicPr>
                 <p:cNvPr id="20" name="Håndskrift 19">
@@ -13031,8 +13066,8 @@
             </p:pic>
           </mc:Fallback>
         </mc:AlternateContent>
-        <mc:AlternateContent xmlns:mc="http://schemas.openxmlformats.org/markup-compatibility/2006">
-          <mc:Choice xmlns:p14="http://schemas.microsoft.com/office/powerpoint/2010/main" Requires="p14">
+        <mc:AlternateContent xmlns:mc="http://schemas.openxmlformats.org/markup-compatibility/2006" xmlns:p14="http://schemas.microsoft.com/office/powerpoint/2010/main">
+          <mc:Choice Requires="p14">
             <p:contentPart p14:bwMode="auto" r:id="rId8">
               <p14:nvContentPartPr>
                 <p14:cNvPr id="21" name="Håndskrift 20">
@@ -13051,7 +13086,7 @@
               </p14:xfrm>
             </p:contentPart>
           </mc:Choice>
-          <mc:Fallback>
+          <mc:Fallback xmlns="">
             <p:pic>
               <p:nvPicPr>
                 <p:cNvPr id="21" name="Håndskrift 20">
@@ -13083,8 +13118,8 @@
           </mc:Fallback>
         </mc:AlternateContent>
       </p:grpSp>
-      <mc:AlternateContent xmlns:mc="http://schemas.openxmlformats.org/markup-compatibility/2006">
-        <mc:Choice xmlns:p14="http://schemas.microsoft.com/office/powerpoint/2010/main" Requires="p14">
+      <mc:AlternateContent xmlns:mc="http://schemas.openxmlformats.org/markup-compatibility/2006" xmlns:p14="http://schemas.microsoft.com/office/powerpoint/2010/main">
+        <mc:Choice Requires="p14">
           <p:contentPart p14:bwMode="auto" r:id="rId10">
             <p14:nvContentPartPr>
               <p14:cNvPr id="23" name="Håndskrift 22">
@@ -13103,7 +13138,7 @@
             </p14:xfrm>
           </p:contentPart>
         </mc:Choice>
-        <mc:Fallback>
+        <mc:Fallback xmlns="">
           <p:pic>
             <p:nvPicPr>
               <p:cNvPr id="23" name="Håndskrift 22">
@@ -13434,8 +13469,8 @@
           </a:prstGeom>
         </p:spPr>
       </p:pic>
-      <mc:AlternateContent xmlns:mc="http://schemas.openxmlformats.org/markup-compatibility/2006">
-        <mc:Choice xmlns:p14="http://schemas.microsoft.com/office/powerpoint/2010/main" Requires="p14">
+      <mc:AlternateContent xmlns:mc="http://schemas.openxmlformats.org/markup-compatibility/2006" xmlns:p14="http://schemas.microsoft.com/office/powerpoint/2010/main">
+        <mc:Choice Requires="p14">
           <p:contentPart p14:bwMode="auto" r:id="rId6">
             <p14:nvContentPartPr>
               <p14:cNvPr id="16" name="Håndskrift 15">
@@ -13454,7 +13489,7 @@
             </p14:xfrm>
           </p:contentPart>
         </mc:Choice>
-        <mc:Fallback>
+        <mc:Fallback xmlns="">
           <p:pic>
             <p:nvPicPr>
               <p:cNvPr id="16" name="Håndskrift 15">
@@ -13485,8 +13520,8 @@
           </p:pic>
         </mc:Fallback>
       </mc:AlternateContent>
-      <mc:AlternateContent xmlns:mc="http://schemas.openxmlformats.org/markup-compatibility/2006">
-        <mc:Choice xmlns:p14="http://schemas.microsoft.com/office/powerpoint/2010/main" Requires="p14">
+      <mc:AlternateContent xmlns:mc="http://schemas.openxmlformats.org/markup-compatibility/2006" xmlns:p14="http://schemas.microsoft.com/office/powerpoint/2010/main">
+        <mc:Choice Requires="p14">
           <p:contentPart p14:bwMode="auto" r:id="rId8">
             <p14:nvContentPartPr>
               <p14:cNvPr id="17" name="Håndskrift 16">
@@ -13505,7 +13540,7 @@
             </p14:xfrm>
           </p:contentPart>
         </mc:Choice>
-        <mc:Fallback>
+        <mc:Fallback xmlns="">
           <p:pic>
             <p:nvPicPr>
               <p:cNvPr id="17" name="Håndskrift 16">
@@ -13536,8 +13571,8 @@
           </p:pic>
         </mc:Fallback>
       </mc:AlternateContent>
-      <mc:AlternateContent xmlns:mc="http://schemas.openxmlformats.org/markup-compatibility/2006">
-        <mc:Choice xmlns:p14="http://schemas.microsoft.com/office/powerpoint/2010/main" Requires="p14">
+      <mc:AlternateContent xmlns:mc="http://schemas.openxmlformats.org/markup-compatibility/2006" xmlns:p14="http://schemas.microsoft.com/office/powerpoint/2010/main">
+        <mc:Choice Requires="p14">
           <p:contentPart p14:bwMode="auto" r:id="rId10">
             <p14:nvContentPartPr>
               <p14:cNvPr id="18" name="Håndskrift 17">
@@ -13556,7 +13591,7 @@
             </p14:xfrm>
           </p:contentPart>
         </mc:Choice>
-        <mc:Fallback>
+        <mc:Fallback xmlns="">
           <p:pic>
             <p:nvPicPr>
               <p:cNvPr id="18" name="Håndskrift 17">
@@ -13587,8 +13622,8 @@
           </p:pic>
         </mc:Fallback>
       </mc:AlternateContent>
-      <mc:AlternateContent xmlns:mc="http://schemas.openxmlformats.org/markup-compatibility/2006">
-        <mc:Choice xmlns:p14="http://schemas.microsoft.com/office/powerpoint/2010/main" Requires="p14">
+      <mc:AlternateContent xmlns:mc="http://schemas.openxmlformats.org/markup-compatibility/2006" xmlns:p14="http://schemas.microsoft.com/office/powerpoint/2010/main">
+        <mc:Choice Requires="p14">
           <p:contentPart p14:bwMode="auto" r:id="rId12">
             <p14:nvContentPartPr>
               <p14:cNvPr id="21" name="Håndskrift 20">
@@ -13607,7 +13642,7 @@
             </p14:xfrm>
           </p:contentPart>
         </mc:Choice>
-        <mc:Fallback>
+        <mc:Fallback xmlns="">
           <p:pic>
             <p:nvPicPr>
               <p:cNvPr id="21" name="Håndskrift 20">
@@ -13682,8 +13717,8 @@
           </a:p>
         </p:txBody>
       </p:sp>
-      <mc:AlternateContent xmlns:mc="http://schemas.openxmlformats.org/markup-compatibility/2006">
-        <mc:Choice xmlns:a14="http://schemas.microsoft.com/office/drawing/2010/main" Requires="a14">
+      <mc:AlternateContent xmlns:mc="http://schemas.openxmlformats.org/markup-compatibility/2006" xmlns:a14="http://schemas.microsoft.com/office/drawing/2010/main">
+        <mc:Choice Requires="a14">
           <p:sp>
             <p:nvSpPr>
               <p:cNvPr id="23" name="Tekstfelt 22">
@@ -13824,7 +13859,7 @@
             </p:txBody>
           </p:sp>
         </mc:Choice>
-        <mc:Fallback>
+        <mc:Fallback xmlns="">
           <p:sp>
             <p:nvSpPr>
               <p:cNvPr id="23" name="Tekstfelt 22">
@@ -13869,8 +13904,8 @@
           </p:sp>
         </mc:Fallback>
       </mc:AlternateContent>
-      <mc:AlternateContent xmlns:mc="http://schemas.openxmlformats.org/markup-compatibility/2006">
-        <mc:Choice xmlns:p14="http://schemas.microsoft.com/office/powerpoint/2010/main" Requires="p14">
+      <mc:AlternateContent xmlns:mc="http://schemas.openxmlformats.org/markup-compatibility/2006" xmlns:p14="http://schemas.microsoft.com/office/powerpoint/2010/main">
+        <mc:Choice Requires="p14">
           <p:contentPart p14:bwMode="auto" r:id="rId15">
             <p14:nvContentPartPr>
               <p14:cNvPr id="24" name="Håndskrift 23">
@@ -13889,7 +13924,7 @@
             </p14:xfrm>
           </p:contentPart>
         </mc:Choice>
-        <mc:Fallback>
+        <mc:Fallback xmlns="">
           <p:pic>
             <p:nvPicPr>
               <p:cNvPr id="24" name="Håndskrift 23">
@@ -14495,8 +14530,8 @@
           </a:p>
         </p:txBody>
       </p:sp>
-      <mc:AlternateContent xmlns:mc="http://schemas.openxmlformats.org/markup-compatibility/2006">
-        <mc:Choice xmlns:p14="http://schemas.microsoft.com/office/powerpoint/2010/main" Requires="p14">
+      <mc:AlternateContent xmlns:mc="http://schemas.openxmlformats.org/markup-compatibility/2006" xmlns:p14="http://schemas.microsoft.com/office/powerpoint/2010/main">
+        <mc:Choice Requires="p14">
           <p:contentPart p14:bwMode="auto" r:id="rId6">
             <p14:nvContentPartPr>
               <p14:cNvPr id="15" name="Håndskrift 14">
@@ -14515,7 +14550,7 @@
             </p14:xfrm>
           </p:contentPart>
         </mc:Choice>
-        <mc:Fallback>
+        <mc:Fallback xmlns="">
           <p:pic>
             <p:nvPicPr>
               <p:cNvPr id="15" name="Håndskrift 14">
@@ -14825,8 +14860,8 @@
           </a:p>
         </p:txBody>
       </p:sp>
-      <mc:AlternateContent xmlns:mc="http://schemas.openxmlformats.org/markup-compatibility/2006">
-        <mc:Choice xmlns:p14="http://schemas.microsoft.com/office/powerpoint/2010/main" Requires="p14">
+      <mc:AlternateContent xmlns:mc="http://schemas.openxmlformats.org/markup-compatibility/2006" xmlns:p14="http://schemas.microsoft.com/office/powerpoint/2010/main">
+        <mc:Choice Requires="p14">
           <p:contentPart p14:bwMode="auto" r:id="rId5">
             <p14:nvContentPartPr>
               <p14:cNvPr id="12" name="Håndskrift 11">
@@ -14845,7 +14880,7 @@
             </p14:xfrm>
           </p:contentPart>
         </mc:Choice>
-        <mc:Fallback>
+        <mc:Fallback xmlns="">
           <p:pic>
             <p:nvPicPr>
               <p:cNvPr id="12" name="Håndskrift 11">
@@ -14948,8 +14983,8 @@
             <a:chExt cx="5223240" cy="1261080"/>
           </a:xfrm>
         </p:grpSpPr>
-        <mc:AlternateContent xmlns:mc="http://schemas.openxmlformats.org/markup-compatibility/2006">
-          <mc:Choice xmlns:p14="http://schemas.microsoft.com/office/powerpoint/2010/main" Requires="p14">
+        <mc:AlternateContent xmlns:mc="http://schemas.openxmlformats.org/markup-compatibility/2006" xmlns:p14="http://schemas.microsoft.com/office/powerpoint/2010/main">
+          <mc:Choice Requires="p14">
             <p:contentPart p14:bwMode="auto" r:id="rId7">
               <p14:nvContentPartPr>
                 <p14:cNvPr id="14" name="Håndskrift 13">
@@ -14968,7 +15003,7 @@
               </p14:xfrm>
             </p:contentPart>
           </mc:Choice>
-          <mc:Fallback>
+          <mc:Fallback xmlns="">
             <p:pic>
               <p:nvPicPr>
                 <p:cNvPr id="14" name="Håndskrift 13">
@@ -14999,8 +15034,8 @@
             </p:pic>
           </mc:Fallback>
         </mc:AlternateContent>
-        <mc:AlternateContent xmlns:mc="http://schemas.openxmlformats.org/markup-compatibility/2006">
-          <mc:Choice xmlns:p14="http://schemas.microsoft.com/office/powerpoint/2010/main" Requires="p14">
+        <mc:AlternateContent xmlns:mc="http://schemas.openxmlformats.org/markup-compatibility/2006" xmlns:p14="http://schemas.microsoft.com/office/powerpoint/2010/main">
+          <mc:Choice Requires="p14">
             <p:contentPart p14:bwMode="auto" r:id="rId9">
               <p14:nvContentPartPr>
                 <p14:cNvPr id="15" name="Håndskrift 14">
@@ -15019,7 +15054,7 @@
               </p14:xfrm>
             </p:contentPart>
           </mc:Choice>
-          <mc:Fallback>
+          <mc:Fallback xmlns="">
             <p:pic>
               <p:nvPicPr>
                 <p:cNvPr id="15" name="Håndskrift 14">
@@ -15119,8 +15154,8 @@
             <a:chExt cx="1688760" cy="1634040"/>
           </a:xfrm>
         </p:grpSpPr>
-        <mc:AlternateContent xmlns:mc="http://schemas.openxmlformats.org/markup-compatibility/2006">
-          <mc:Choice xmlns:p14="http://schemas.microsoft.com/office/powerpoint/2010/main" xmlns:aink="http://schemas.microsoft.com/office/drawing/2016/ink" Requires="p14 aink">
+        <mc:AlternateContent xmlns:mc="http://schemas.openxmlformats.org/markup-compatibility/2006" xmlns:p14="http://schemas.microsoft.com/office/powerpoint/2010/main" xmlns:aink="http://schemas.microsoft.com/office/drawing/2016/ink">
+          <mc:Choice Requires="p14 aink">
             <p:contentPart p14:bwMode="auto" r:id="rId11">
               <p14:nvContentPartPr>
                 <p14:cNvPr id="23" name="Håndskrift 22">
@@ -15139,7 +15174,7 @@
               </p14:xfrm>
             </p:contentPart>
           </mc:Choice>
-          <mc:Fallback>
+          <mc:Fallback xmlns="">
             <p:pic>
               <p:nvPicPr>
                 <p:cNvPr id="23" name="Håndskrift 22">
@@ -15170,8 +15205,8 @@
             </p:pic>
           </mc:Fallback>
         </mc:AlternateContent>
-        <mc:AlternateContent xmlns:mc="http://schemas.openxmlformats.org/markup-compatibility/2006">
-          <mc:Choice xmlns:p14="http://schemas.microsoft.com/office/powerpoint/2010/main" xmlns:aink="http://schemas.microsoft.com/office/drawing/2016/ink" Requires="p14 aink">
+        <mc:AlternateContent xmlns:mc="http://schemas.openxmlformats.org/markup-compatibility/2006" xmlns:p14="http://schemas.microsoft.com/office/powerpoint/2010/main" xmlns:aink="http://schemas.microsoft.com/office/drawing/2016/ink">
+          <mc:Choice Requires="p14 aink">
             <p:contentPart p14:bwMode="auto" r:id="rId13">
               <p14:nvContentPartPr>
                 <p14:cNvPr id="24" name="Håndskrift 23">
@@ -15190,7 +15225,7 @@
               </p14:xfrm>
             </p:contentPart>
           </mc:Choice>
-          <mc:Fallback>
+          <mc:Fallback xmlns="">
             <p:pic>
               <p:nvPicPr>
                 <p:cNvPr id="24" name="Håndskrift 23">
@@ -15698,8 +15733,8 @@
           </a:prstGeom>
         </p:spPr>
       </p:pic>
-      <mc:AlternateContent xmlns:mc="http://schemas.openxmlformats.org/markup-compatibility/2006">
-        <mc:Choice xmlns:a14="http://schemas.microsoft.com/office/drawing/2010/main" Requires="a14">
+      <mc:AlternateContent xmlns:mc="http://schemas.openxmlformats.org/markup-compatibility/2006" xmlns:a14="http://schemas.microsoft.com/office/drawing/2010/main">
+        <mc:Choice Requires="a14">
           <p:sp>
             <p:nvSpPr>
               <p:cNvPr id="8" name="Tekstfelt 7">
@@ -15745,6 +15780,7 @@
                 <a:endParaRPr lang="en-US" dirty="0"/>
               </a:p>
               <a:p>
+                <a:pPr/>
                 <a14:m>
                   <m:oMathPara xmlns:m="http://schemas.openxmlformats.org/officeDocument/2006/math">
                     <m:oMathParaPr>
@@ -15821,6 +15857,7 @@
                 <a:endParaRPr lang="en-US" b="0" dirty="0"/>
               </a:p>
               <a:p>
+                <a:pPr/>
                 <a14:m>
                   <m:oMathPara xmlns:m="http://schemas.openxmlformats.org/officeDocument/2006/math">
                     <m:oMathParaPr>
@@ -15866,7 +15903,7 @@
             </p:txBody>
           </p:sp>
         </mc:Choice>
-        <mc:Fallback>
+        <mc:Fallback xmlns="">
           <p:sp>
             <p:nvSpPr>
               <p:cNvPr id="8" name="Tekstfelt 7">
@@ -15983,8 +16020,8 @@
           </a:p>
         </p:txBody>
       </p:sp>
-      <mc:AlternateContent xmlns:mc="http://schemas.openxmlformats.org/markup-compatibility/2006">
-        <mc:Choice xmlns:a14="http://schemas.microsoft.com/office/drawing/2010/main" Requires="a14">
+      <mc:AlternateContent xmlns:mc="http://schemas.openxmlformats.org/markup-compatibility/2006" xmlns:a14="http://schemas.microsoft.com/office/drawing/2010/main">
+        <mc:Choice Requires="a14">
           <p:sp>
             <p:nvSpPr>
               <p:cNvPr id="20" name="Tekstfelt 19">
@@ -16080,7 +16117,7 @@
             </p:txBody>
           </p:sp>
         </mc:Choice>
-        <mc:Fallback>
+        <mc:Fallback xmlns="">
           <p:sp>
             <p:nvSpPr>
               <p:cNvPr id="20" name="Tekstfelt 19">
@@ -16207,8 +16244,8 @@
             <a:chExt cx="4556880" cy="3083040"/>
           </a:xfrm>
         </p:grpSpPr>
-        <mc:AlternateContent xmlns:mc="http://schemas.openxmlformats.org/markup-compatibility/2006">
-          <mc:Choice xmlns:p14="http://schemas.microsoft.com/office/powerpoint/2010/main" Requires="p14">
+        <mc:AlternateContent xmlns:mc="http://schemas.openxmlformats.org/markup-compatibility/2006" xmlns:p14="http://schemas.microsoft.com/office/powerpoint/2010/main">
+          <mc:Choice Requires="p14">
             <p:contentPart p14:bwMode="auto" r:id="rId6">
               <p14:nvContentPartPr>
                 <p14:cNvPr id="13" name="Håndskrift 12">
@@ -16227,7 +16264,7 @@
               </p14:xfrm>
             </p:contentPart>
           </mc:Choice>
-          <mc:Fallback>
+          <mc:Fallback xmlns="">
             <p:pic>
               <p:nvPicPr>
                 <p:cNvPr id="13" name="Håndskrift 12">
@@ -16258,8 +16295,8 @@
             </p:pic>
           </mc:Fallback>
         </mc:AlternateContent>
-        <mc:AlternateContent xmlns:mc="http://schemas.openxmlformats.org/markup-compatibility/2006">
-          <mc:Choice xmlns:p14="http://schemas.microsoft.com/office/powerpoint/2010/main" Requires="p14">
+        <mc:AlternateContent xmlns:mc="http://schemas.openxmlformats.org/markup-compatibility/2006" xmlns:p14="http://schemas.microsoft.com/office/powerpoint/2010/main">
+          <mc:Choice Requires="p14">
             <p:contentPart p14:bwMode="auto" r:id="rId8">
               <p14:nvContentPartPr>
                 <p14:cNvPr id="14" name="Håndskrift 13">
@@ -16278,7 +16315,7 @@
               </p14:xfrm>
             </p:contentPart>
           </mc:Choice>
-          <mc:Fallback>
+          <mc:Fallback xmlns="">
             <p:pic>
               <p:nvPicPr>
                 <p:cNvPr id="14" name="Håndskrift 13">
@@ -16309,8 +16346,8 @@
             </p:pic>
           </mc:Fallback>
         </mc:AlternateContent>
-        <mc:AlternateContent xmlns:mc="http://schemas.openxmlformats.org/markup-compatibility/2006">
-          <mc:Choice xmlns:p14="http://schemas.microsoft.com/office/powerpoint/2010/main" Requires="p14">
+        <mc:AlternateContent xmlns:mc="http://schemas.openxmlformats.org/markup-compatibility/2006" xmlns:p14="http://schemas.microsoft.com/office/powerpoint/2010/main">
+          <mc:Choice Requires="p14">
             <p:contentPart p14:bwMode="auto" r:id="rId10">
               <p14:nvContentPartPr>
                 <p14:cNvPr id="16" name="Håndskrift 15">
@@ -16329,7 +16366,7 @@
               </p14:xfrm>
             </p:contentPart>
           </mc:Choice>
-          <mc:Fallback>
+          <mc:Fallback xmlns="">
             <p:pic>
               <p:nvPicPr>
                 <p:cNvPr id="16" name="Håndskrift 15">
@@ -16360,8 +16397,8 @@
             </p:pic>
           </mc:Fallback>
         </mc:AlternateContent>
-        <mc:AlternateContent xmlns:mc="http://schemas.openxmlformats.org/markup-compatibility/2006">
-          <mc:Choice xmlns:p14="http://schemas.microsoft.com/office/powerpoint/2010/main" Requires="p14">
+        <mc:AlternateContent xmlns:mc="http://schemas.openxmlformats.org/markup-compatibility/2006" xmlns:p14="http://schemas.microsoft.com/office/powerpoint/2010/main">
+          <mc:Choice Requires="p14">
             <p:contentPart p14:bwMode="auto" r:id="rId12">
               <p14:nvContentPartPr>
                 <p14:cNvPr id="27" name="Håndskrift 26">
@@ -16380,7 +16417,7 @@
               </p14:xfrm>
             </p:contentPart>
           </mc:Choice>
-          <mc:Fallback>
+          <mc:Fallback xmlns="">
             <p:pic>
               <p:nvPicPr>
                 <p:cNvPr id="27" name="Håndskrift 26">
@@ -16411,8 +16448,8 @@
             </p:pic>
           </mc:Fallback>
         </mc:AlternateContent>
-        <mc:AlternateContent xmlns:mc="http://schemas.openxmlformats.org/markup-compatibility/2006">
-          <mc:Choice xmlns:p14="http://schemas.microsoft.com/office/powerpoint/2010/main" Requires="p14">
+        <mc:AlternateContent xmlns:mc="http://schemas.openxmlformats.org/markup-compatibility/2006" xmlns:p14="http://schemas.microsoft.com/office/powerpoint/2010/main">
+          <mc:Choice Requires="p14">
             <p:contentPart p14:bwMode="auto" r:id="rId14">
               <p14:nvContentPartPr>
                 <p14:cNvPr id="28" name="Håndskrift 27">
@@ -16431,7 +16468,7 @@
               </p14:xfrm>
             </p:contentPart>
           </mc:Choice>
-          <mc:Fallback>
+          <mc:Fallback xmlns="">
             <p:pic>
               <p:nvPicPr>
                 <p:cNvPr id="28" name="Håndskrift 27">
@@ -16462,8 +16499,8 @@
             </p:pic>
           </mc:Fallback>
         </mc:AlternateContent>
-        <mc:AlternateContent xmlns:mc="http://schemas.openxmlformats.org/markup-compatibility/2006">
-          <mc:Choice xmlns:p14="http://schemas.microsoft.com/office/powerpoint/2010/main" Requires="p14">
+        <mc:AlternateContent xmlns:mc="http://schemas.openxmlformats.org/markup-compatibility/2006" xmlns:p14="http://schemas.microsoft.com/office/powerpoint/2010/main">
+          <mc:Choice Requires="p14">
             <p:contentPart p14:bwMode="auto" r:id="rId16">
               <p14:nvContentPartPr>
                 <p14:cNvPr id="30" name="Håndskrift 29">
@@ -16482,7 +16519,7 @@
               </p14:xfrm>
             </p:contentPart>
           </mc:Choice>
-          <mc:Fallback>
+          <mc:Fallback xmlns="">
             <p:pic>
               <p:nvPicPr>
                 <p:cNvPr id="30" name="Håndskrift 29">
@@ -16513,8 +16550,8 @@
             </p:pic>
           </mc:Fallback>
         </mc:AlternateContent>
-        <mc:AlternateContent xmlns:mc="http://schemas.openxmlformats.org/markup-compatibility/2006">
-          <mc:Choice xmlns:p14="http://schemas.microsoft.com/office/powerpoint/2010/main" Requires="p14">
+        <mc:AlternateContent xmlns:mc="http://schemas.openxmlformats.org/markup-compatibility/2006" xmlns:p14="http://schemas.microsoft.com/office/powerpoint/2010/main">
+          <mc:Choice Requires="p14">
             <p:contentPart p14:bwMode="auto" r:id="rId18">
               <p14:nvContentPartPr>
                 <p14:cNvPr id="32" name="Håndskrift 31">
@@ -16533,7 +16570,7 @@
               </p14:xfrm>
             </p:contentPart>
           </mc:Choice>
-          <mc:Fallback>
+          <mc:Fallback xmlns="">
             <p:pic>
               <p:nvPicPr>
                 <p:cNvPr id="32" name="Håndskrift 31">
@@ -16564,8 +16601,8 @@
             </p:pic>
           </mc:Fallback>
         </mc:AlternateContent>
-        <mc:AlternateContent xmlns:mc="http://schemas.openxmlformats.org/markup-compatibility/2006">
-          <mc:Choice xmlns:p14="http://schemas.microsoft.com/office/powerpoint/2010/main" Requires="p14">
+        <mc:AlternateContent xmlns:mc="http://schemas.openxmlformats.org/markup-compatibility/2006" xmlns:p14="http://schemas.microsoft.com/office/powerpoint/2010/main">
+          <mc:Choice Requires="p14">
             <p:contentPart p14:bwMode="auto" r:id="rId20">
               <p14:nvContentPartPr>
                 <p14:cNvPr id="33" name="Håndskrift 32">
@@ -16584,7 +16621,7 @@
               </p14:xfrm>
             </p:contentPart>
           </mc:Choice>
-          <mc:Fallback>
+          <mc:Fallback xmlns="">
             <p:pic>
               <p:nvPicPr>
                 <p:cNvPr id="33" name="Håndskrift 32">
@@ -16615,8 +16652,8 @@
             </p:pic>
           </mc:Fallback>
         </mc:AlternateContent>
-        <mc:AlternateContent xmlns:mc="http://schemas.openxmlformats.org/markup-compatibility/2006">
-          <mc:Choice xmlns:p14="http://schemas.microsoft.com/office/powerpoint/2010/main" Requires="p14">
+        <mc:AlternateContent xmlns:mc="http://schemas.openxmlformats.org/markup-compatibility/2006" xmlns:p14="http://schemas.microsoft.com/office/powerpoint/2010/main">
+          <mc:Choice Requires="p14">
             <p:contentPart p14:bwMode="auto" r:id="rId22">
               <p14:nvContentPartPr>
                 <p14:cNvPr id="34" name="Håndskrift 33">
@@ -16635,7 +16672,7 @@
               </p14:xfrm>
             </p:contentPart>
           </mc:Choice>
-          <mc:Fallback>
+          <mc:Fallback xmlns="">
             <p:pic>
               <p:nvPicPr>
                 <p:cNvPr id="34" name="Håndskrift 33">
@@ -16666,8 +16703,8 @@
             </p:pic>
           </mc:Fallback>
         </mc:AlternateContent>
-        <mc:AlternateContent xmlns:mc="http://schemas.openxmlformats.org/markup-compatibility/2006">
-          <mc:Choice xmlns:p14="http://schemas.microsoft.com/office/powerpoint/2010/main" Requires="p14">
+        <mc:AlternateContent xmlns:mc="http://schemas.openxmlformats.org/markup-compatibility/2006" xmlns:p14="http://schemas.microsoft.com/office/powerpoint/2010/main">
+          <mc:Choice Requires="p14">
             <p:contentPart p14:bwMode="auto" r:id="rId24">
               <p14:nvContentPartPr>
                 <p14:cNvPr id="36" name="Håndskrift 35">
@@ -16686,7 +16723,7 @@
               </p14:xfrm>
             </p:contentPart>
           </mc:Choice>
-          <mc:Fallback>
+          <mc:Fallback xmlns="">
             <p:pic>
               <p:nvPicPr>
                 <p:cNvPr id="36" name="Håndskrift 35">
@@ -16717,8 +16754,8 @@
             </p:pic>
           </mc:Fallback>
         </mc:AlternateContent>
-        <mc:AlternateContent xmlns:mc="http://schemas.openxmlformats.org/markup-compatibility/2006">
-          <mc:Choice xmlns:p14="http://schemas.microsoft.com/office/powerpoint/2010/main" Requires="p14">
+        <mc:AlternateContent xmlns:mc="http://schemas.openxmlformats.org/markup-compatibility/2006" xmlns:p14="http://schemas.microsoft.com/office/powerpoint/2010/main">
+          <mc:Choice Requires="p14">
             <p:contentPart p14:bwMode="auto" r:id="rId26">
               <p14:nvContentPartPr>
                 <p14:cNvPr id="37" name="Håndskrift 36">
@@ -16737,7 +16774,7 @@
               </p14:xfrm>
             </p:contentPart>
           </mc:Choice>
-          <mc:Fallback>
+          <mc:Fallback xmlns="">
             <p:pic>
               <p:nvPicPr>
                 <p:cNvPr id="37" name="Håndskrift 36">
@@ -16849,8 +16886,8 @@
           </a:p>
         </p:txBody>
       </p:sp>
-      <mc:AlternateContent xmlns:mc="http://schemas.openxmlformats.org/markup-compatibility/2006">
-        <mc:Choice xmlns:p14="http://schemas.microsoft.com/office/powerpoint/2010/main" Requires="p14">
+      <mc:AlternateContent xmlns:mc="http://schemas.openxmlformats.org/markup-compatibility/2006" xmlns:p14="http://schemas.microsoft.com/office/powerpoint/2010/main">
+        <mc:Choice Requires="p14">
           <p:contentPart p14:bwMode="auto" r:id="rId28">
             <p14:nvContentPartPr>
               <p14:cNvPr id="41" name="Håndskrift 40">
@@ -16869,7 +16906,7 @@
             </p14:xfrm>
           </p:contentPart>
         </mc:Choice>
-        <mc:Fallback>
+        <mc:Fallback xmlns="">
           <p:pic>
             <p:nvPicPr>
               <p:cNvPr id="41" name="Håndskrift 40">
@@ -16930,8 +16967,8 @@
           </a:prstGeom>
         </p:spPr>
       </p:pic>
-      <mc:AlternateContent xmlns:mc="http://schemas.openxmlformats.org/markup-compatibility/2006">
-        <mc:Choice xmlns:p14="http://schemas.microsoft.com/office/powerpoint/2010/main" Requires="p14">
+      <mc:AlternateContent xmlns:mc="http://schemas.openxmlformats.org/markup-compatibility/2006" xmlns:p14="http://schemas.microsoft.com/office/powerpoint/2010/main">
+        <mc:Choice Requires="p14">
           <p:contentPart p14:bwMode="auto" r:id="rId31">
             <p14:nvContentPartPr>
               <p14:cNvPr id="44" name="Håndskrift 43">
@@ -16950,7 +16987,7 @@
             </p14:xfrm>
           </p:contentPart>
         </mc:Choice>
-        <mc:Fallback>
+        <mc:Fallback xmlns="">
           <p:pic>
             <p:nvPicPr>
               <p:cNvPr id="44" name="Håndskrift 43">
@@ -16981,8 +17018,8 @@
           </p:pic>
         </mc:Fallback>
       </mc:AlternateContent>
-      <mc:AlternateContent xmlns:mc="http://schemas.openxmlformats.org/markup-compatibility/2006">
-        <mc:Choice xmlns:p14="http://schemas.microsoft.com/office/powerpoint/2010/main" Requires="p14">
+      <mc:AlternateContent xmlns:mc="http://schemas.openxmlformats.org/markup-compatibility/2006" xmlns:p14="http://schemas.microsoft.com/office/powerpoint/2010/main">
+        <mc:Choice Requires="p14">
           <p:contentPart p14:bwMode="auto" r:id="rId33">
             <p14:nvContentPartPr>
               <p14:cNvPr id="45" name="Håndskrift 44">
@@ -17001,7 +17038,7 @@
             </p14:xfrm>
           </p:contentPart>
         </mc:Choice>
-        <mc:Fallback>
+        <mc:Fallback xmlns="">
           <p:pic>
             <p:nvPicPr>
               <p:cNvPr id="45" name="Håndskrift 44">
@@ -17258,8 +17295,8 @@
             <a:chExt cx="602640" cy="656280"/>
           </a:xfrm>
         </p:grpSpPr>
-        <mc:AlternateContent xmlns:mc="http://schemas.openxmlformats.org/markup-compatibility/2006">
-          <mc:Choice xmlns:p14="http://schemas.microsoft.com/office/powerpoint/2010/main" Requires="p14">
+        <mc:AlternateContent xmlns:mc="http://schemas.openxmlformats.org/markup-compatibility/2006" xmlns:p14="http://schemas.microsoft.com/office/powerpoint/2010/main">
+          <mc:Choice Requires="p14">
             <p:contentPart p14:bwMode="auto" r:id="rId3">
               <p14:nvContentPartPr>
                 <p14:cNvPr id="9" name="Håndskrift 8">
@@ -17278,7 +17315,7 @@
               </p14:xfrm>
             </p:contentPart>
           </mc:Choice>
-          <mc:Fallback>
+          <mc:Fallback xmlns="">
             <p:pic>
               <p:nvPicPr>
                 <p:cNvPr id="9" name="Håndskrift 8">
@@ -17309,8 +17346,8 @@
             </p:pic>
           </mc:Fallback>
         </mc:AlternateContent>
-        <mc:AlternateContent xmlns:mc="http://schemas.openxmlformats.org/markup-compatibility/2006">
-          <mc:Choice xmlns:p14="http://schemas.microsoft.com/office/powerpoint/2010/main" Requires="p14">
+        <mc:AlternateContent xmlns:mc="http://schemas.openxmlformats.org/markup-compatibility/2006" xmlns:p14="http://schemas.microsoft.com/office/powerpoint/2010/main">
+          <mc:Choice Requires="p14">
             <p:contentPart p14:bwMode="auto" r:id="rId5">
               <p14:nvContentPartPr>
                 <p14:cNvPr id="10" name="Håndskrift 9">
@@ -17329,7 +17366,7 @@
               </p14:xfrm>
             </p:contentPart>
           </mc:Choice>
-          <mc:Fallback>
+          <mc:Fallback xmlns="">
             <p:pic>
               <p:nvPicPr>
                 <p:cNvPr id="10" name="Håndskrift 9">
@@ -17360,8 +17397,8 @@
             </p:pic>
           </mc:Fallback>
         </mc:AlternateContent>
-        <mc:AlternateContent xmlns:mc="http://schemas.openxmlformats.org/markup-compatibility/2006">
-          <mc:Choice xmlns:p14="http://schemas.microsoft.com/office/powerpoint/2010/main" Requires="p14">
+        <mc:AlternateContent xmlns:mc="http://schemas.openxmlformats.org/markup-compatibility/2006" xmlns:p14="http://schemas.microsoft.com/office/powerpoint/2010/main">
+          <mc:Choice Requires="p14">
             <p:contentPart p14:bwMode="auto" r:id="rId7">
               <p14:nvContentPartPr>
                 <p14:cNvPr id="11" name="Håndskrift 10">
@@ -17380,7 +17417,7 @@
               </p14:xfrm>
             </p:contentPart>
           </mc:Choice>
-          <mc:Fallback>
+          <mc:Fallback xmlns="">
             <p:pic>
               <p:nvPicPr>
                 <p:cNvPr id="11" name="Håndskrift 10">
@@ -17412,8 +17449,8 @@
           </mc:Fallback>
         </mc:AlternateContent>
       </p:grpSp>
-      <mc:AlternateContent xmlns:mc="http://schemas.openxmlformats.org/markup-compatibility/2006">
-        <mc:Choice xmlns:p14="http://schemas.microsoft.com/office/powerpoint/2010/main" Requires="p14">
+      <mc:AlternateContent xmlns:mc="http://schemas.openxmlformats.org/markup-compatibility/2006" xmlns:p14="http://schemas.microsoft.com/office/powerpoint/2010/main">
+        <mc:Choice Requires="p14">
           <p:contentPart p14:bwMode="auto" r:id="rId9">
             <p14:nvContentPartPr>
               <p14:cNvPr id="15" name="Håndskrift 14">
@@ -17432,7 +17469,7 @@
             </p14:xfrm>
           </p:contentPart>
         </mc:Choice>
-        <mc:Fallback>
+        <mc:Fallback xmlns="">
           <p:pic>
             <p:nvPicPr>
               <p:cNvPr id="15" name="Håndskrift 14">
@@ -17562,8 +17599,8 @@
           </a:p>
         </p:txBody>
       </p:sp>
-      <mc:AlternateContent xmlns:mc="http://schemas.openxmlformats.org/markup-compatibility/2006">
-        <mc:Choice xmlns:a14="http://schemas.microsoft.com/office/drawing/2010/main" Requires="a14">
+      <mc:AlternateContent xmlns:mc="http://schemas.openxmlformats.org/markup-compatibility/2006" xmlns:a14="http://schemas.microsoft.com/office/drawing/2010/main">
+        <mc:Choice Requires="a14">
           <p:sp>
             <p:nvSpPr>
               <p:cNvPr id="20" name="Tekstfelt 19">
@@ -17671,7 +17708,7 @@
             </p:txBody>
           </p:sp>
         </mc:Choice>
-        <mc:Fallback>
+        <mc:Fallback xmlns="">
           <p:sp>
             <p:nvSpPr>
               <p:cNvPr id="20" name="Tekstfelt 19">
@@ -17716,8 +17753,8 @@
           </p:sp>
         </mc:Fallback>
       </mc:AlternateContent>
-      <mc:AlternateContent xmlns:mc="http://schemas.openxmlformats.org/markup-compatibility/2006">
-        <mc:Choice xmlns:p14="http://schemas.microsoft.com/office/powerpoint/2010/main" Requires="p14">
+      <mc:AlternateContent xmlns:mc="http://schemas.openxmlformats.org/markup-compatibility/2006" xmlns:p14="http://schemas.microsoft.com/office/powerpoint/2010/main">
+        <mc:Choice Requires="p14">
           <p:contentPart p14:bwMode="auto" r:id="rId12">
             <p14:nvContentPartPr>
               <p14:cNvPr id="21" name="Håndskrift 20">
@@ -17736,7 +17773,7 @@
             </p14:xfrm>
           </p:contentPart>
         </mc:Choice>
-        <mc:Fallback>
+        <mc:Fallback xmlns="">
           <p:pic>
             <p:nvPicPr>
               <p:cNvPr id="21" name="Håndskrift 20">
@@ -17787,8 +17824,8 @@
             <a:chExt cx="696240" cy="537120"/>
           </a:xfrm>
         </p:grpSpPr>
-        <mc:AlternateContent xmlns:mc="http://schemas.openxmlformats.org/markup-compatibility/2006">
-          <mc:Choice xmlns:p14="http://schemas.microsoft.com/office/powerpoint/2010/main" Requires="p14">
+        <mc:AlternateContent xmlns:mc="http://schemas.openxmlformats.org/markup-compatibility/2006" xmlns:p14="http://schemas.microsoft.com/office/powerpoint/2010/main">
+          <mc:Choice Requires="p14">
             <p:contentPart p14:bwMode="auto" r:id="rId14">
               <p14:nvContentPartPr>
                 <p14:cNvPr id="24" name="Håndskrift 23">
@@ -17807,7 +17844,7 @@
               </p14:xfrm>
             </p:contentPart>
           </mc:Choice>
-          <mc:Fallback>
+          <mc:Fallback xmlns="">
             <p:pic>
               <p:nvPicPr>
                 <p:cNvPr id="24" name="Håndskrift 23">
@@ -17838,8 +17875,8 @@
             </p:pic>
           </mc:Fallback>
         </mc:AlternateContent>
-        <mc:AlternateContent xmlns:mc="http://schemas.openxmlformats.org/markup-compatibility/2006">
-          <mc:Choice xmlns:p14="http://schemas.microsoft.com/office/powerpoint/2010/main" Requires="p14">
+        <mc:AlternateContent xmlns:mc="http://schemas.openxmlformats.org/markup-compatibility/2006" xmlns:p14="http://schemas.microsoft.com/office/powerpoint/2010/main">
+          <mc:Choice Requires="p14">
             <p:contentPart p14:bwMode="auto" r:id="rId16">
               <p14:nvContentPartPr>
                 <p14:cNvPr id="25" name="Håndskrift 24">
@@ -17858,7 +17895,7 @@
               </p14:xfrm>
             </p:contentPart>
           </mc:Choice>
-          <mc:Fallback>
+          <mc:Fallback xmlns="">
             <p:pic>
               <p:nvPicPr>
                 <p:cNvPr id="25" name="Håndskrift 24">
@@ -17889,8 +17926,8 @@
             </p:pic>
           </mc:Fallback>
         </mc:AlternateContent>
-        <mc:AlternateContent xmlns:mc="http://schemas.openxmlformats.org/markup-compatibility/2006">
-          <mc:Choice xmlns:p14="http://schemas.microsoft.com/office/powerpoint/2010/main" Requires="p14">
+        <mc:AlternateContent xmlns:mc="http://schemas.openxmlformats.org/markup-compatibility/2006" xmlns:p14="http://schemas.microsoft.com/office/powerpoint/2010/main">
+          <mc:Choice Requires="p14">
             <p:contentPart p14:bwMode="auto" r:id="rId18">
               <p14:nvContentPartPr>
                 <p14:cNvPr id="26" name="Håndskrift 25">
@@ -17909,7 +17946,7 @@
               </p14:xfrm>
             </p:contentPart>
           </mc:Choice>
-          <mc:Fallback>
+          <mc:Fallback xmlns="">
             <p:pic>
               <p:nvPicPr>
                 <p:cNvPr id="26" name="Håndskrift 25">
@@ -18027,8 +18064,8 @@
             <a:chExt cx="3694680" cy="760680"/>
           </a:xfrm>
         </p:grpSpPr>
-        <mc:AlternateContent xmlns:mc="http://schemas.openxmlformats.org/markup-compatibility/2006">
-          <mc:Choice xmlns:p14="http://schemas.microsoft.com/office/powerpoint/2010/main" Requires="p14">
+        <mc:AlternateContent xmlns:mc="http://schemas.openxmlformats.org/markup-compatibility/2006" xmlns:p14="http://schemas.microsoft.com/office/powerpoint/2010/main">
+          <mc:Choice Requires="p14">
             <p:contentPart p14:bwMode="auto" r:id="rId21">
               <p14:nvContentPartPr>
                 <p14:cNvPr id="40" name="Håndskrift 39">
@@ -18047,7 +18084,7 @@
               </p14:xfrm>
             </p:contentPart>
           </mc:Choice>
-          <mc:Fallback>
+          <mc:Fallback xmlns="">
             <p:pic>
               <p:nvPicPr>
                 <p:cNvPr id="40" name="Håndskrift 39">
@@ -18078,8 +18115,8 @@
             </p:pic>
           </mc:Fallback>
         </mc:AlternateContent>
-        <mc:AlternateContent xmlns:mc="http://schemas.openxmlformats.org/markup-compatibility/2006">
-          <mc:Choice xmlns:p14="http://schemas.microsoft.com/office/powerpoint/2010/main" Requires="p14">
+        <mc:AlternateContent xmlns:mc="http://schemas.openxmlformats.org/markup-compatibility/2006" xmlns:p14="http://schemas.microsoft.com/office/powerpoint/2010/main">
+          <mc:Choice Requires="p14">
             <p:contentPart p14:bwMode="auto" r:id="rId23">
               <p14:nvContentPartPr>
                 <p14:cNvPr id="41" name="Håndskrift 40">
@@ -18098,7 +18135,7 @@
               </p14:xfrm>
             </p:contentPart>
           </mc:Choice>
-          <mc:Fallback>
+          <mc:Fallback xmlns="">
             <p:pic>
               <p:nvPicPr>
                 <p:cNvPr id="41" name="Håndskrift 40">
@@ -18266,8 +18303,8 @@
             <a:chExt cx="879120" cy="249480"/>
           </a:xfrm>
         </p:grpSpPr>
-        <mc:AlternateContent xmlns:mc="http://schemas.openxmlformats.org/markup-compatibility/2006">
-          <mc:Choice xmlns:p14="http://schemas.microsoft.com/office/powerpoint/2010/main" Requires="p14">
+        <mc:AlternateContent xmlns:mc="http://schemas.openxmlformats.org/markup-compatibility/2006" xmlns:p14="http://schemas.microsoft.com/office/powerpoint/2010/main">
+          <mc:Choice Requires="p14">
             <p:contentPart p14:bwMode="auto" r:id="rId3">
               <p14:nvContentPartPr>
                 <p14:cNvPr id="8" name="Håndskrift 7">
@@ -18286,7 +18323,7 @@
               </p14:xfrm>
             </p:contentPart>
           </mc:Choice>
-          <mc:Fallback>
+          <mc:Fallback xmlns="">
             <p:pic>
               <p:nvPicPr>
                 <p:cNvPr id="8" name="Håndskrift 7">
@@ -18317,8 +18354,8 @@
             </p:pic>
           </mc:Fallback>
         </mc:AlternateContent>
-        <mc:AlternateContent xmlns:mc="http://schemas.openxmlformats.org/markup-compatibility/2006">
-          <mc:Choice xmlns:p14="http://schemas.microsoft.com/office/powerpoint/2010/main" Requires="p14">
+        <mc:AlternateContent xmlns:mc="http://schemas.openxmlformats.org/markup-compatibility/2006" xmlns:p14="http://schemas.microsoft.com/office/powerpoint/2010/main">
+          <mc:Choice Requires="p14">
             <p:contentPart p14:bwMode="auto" r:id="rId5">
               <p14:nvContentPartPr>
                 <p14:cNvPr id="9" name="Håndskrift 8">
@@ -18337,7 +18374,7 @@
               </p14:xfrm>
             </p:contentPart>
           </mc:Choice>
-          <mc:Fallback>
+          <mc:Fallback xmlns="">
             <p:pic>
               <p:nvPicPr>
                 <p:cNvPr id="9" name="Håndskrift 8">
@@ -18368,8 +18405,8 @@
             </p:pic>
           </mc:Fallback>
         </mc:AlternateContent>
-        <mc:AlternateContent xmlns:mc="http://schemas.openxmlformats.org/markup-compatibility/2006">
-          <mc:Choice xmlns:p14="http://schemas.microsoft.com/office/powerpoint/2010/main" Requires="p14">
+        <mc:AlternateContent xmlns:mc="http://schemas.openxmlformats.org/markup-compatibility/2006" xmlns:p14="http://schemas.microsoft.com/office/powerpoint/2010/main">
+          <mc:Choice Requires="p14">
             <p:contentPart p14:bwMode="auto" r:id="rId7">
               <p14:nvContentPartPr>
                 <p14:cNvPr id="10" name="Håndskrift 9">
@@ -18388,7 +18425,7 @@
               </p14:xfrm>
             </p:contentPart>
           </mc:Choice>
-          <mc:Fallback>
+          <mc:Fallback xmlns="">
             <p:pic>
               <p:nvPicPr>
                 <p:cNvPr id="10" name="Håndskrift 9">
@@ -18440,8 +18477,8 @@
             <a:chExt cx="879120" cy="249480"/>
           </a:xfrm>
         </p:grpSpPr>
-        <mc:AlternateContent xmlns:mc="http://schemas.openxmlformats.org/markup-compatibility/2006">
-          <mc:Choice xmlns:p14="http://schemas.microsoft.com/office/powerpoint/2010/main" Requires="p14">
+        <mc:AlternateContent xmlns:mc="http://schemas.openxmlformats.org/markup-compatibility/2006" xmlns:p14="http://schemas.microsoft.com/office/powerpoint/2010/main">
+          <mc:Choice Requires="p14">
             <p:contentPart p14:bwMode="auto" r:id="rId9">
               <p14:nvContentPartPr>
                 <p14:cNvPr id="13" name="Håndskrift 12">
@@ -18460,7 +18497,7 @@
               </p14:xfrm>
             </p:contentPart>
           </mc:Choice>
-          <mc:Fallback>
+          <mc:Fallback xmlns="">
             <p:pic>
               <p:nvPicPr>
                 <p:cNvPr id="13" name="Håndskrift 12">
@@ -18491,8 +18528,8 @@
             </p:pic>
           </mc:Fallback>
         </mc:AlternateContent>
-        <mc:AlternateContent xmlns:mc="http://schemas.openxmlformats.org/markup-compatibility/2006">
-          <mc:Choice xmlns:p14="http://schemas.microsoft.com/office/powerpoint/2010/main" Requires="p14">
+        <mc:AlternateContent xmlns:mc="http://schemas.openxmlformats.org/markup-compatibility/2006" xmlns:p14="http://schemas.microsoft.com/office/powerpoint/2010/main">
+          <mc:Choice Requires="p14">
             <p:contentPart p14:bwMode="auto" r:id="rId10">
               <p14:nvContentPartPr>
                 <p14:cNvPr id="14" name="Håndskrift 13">
@@ -18511,7 +18548,7 @@
               </p14:xfrm>
             </p:contentPart>
           </mc:Choice>
-          <mc:Fallback>
+          <mc:Fallback xmlns="">
             <p:pic>
               <p:nvPicPr>
                 <p:cNvPr id="14" name="Håndskrift 13">
@@ -18542,8 +18579,8 @@
             </p:pic>
           </mc:Fallback>
         </mc:AlternateContent>
-        <mc:AlternateContent xmlns:mc="http://schemas.openxmlformats.org/markup-compatibility/2006">
-          <mc:Choice xmlns:p14="http://schemas.microsoft.com/office/powerpoint/2010/main" Requires="p14">
+        <mc:AlternateContent xmlns:mc="http://schemas.openxmlformats.org/markup-compatibility/2006" xmlns:p14="http://schemas.microsoft.com/office/powerpoint/2010/main">
+          <mc:Choice Requires="p14">
             <p:contentPart p14:bwMode="auto" r:id="rId11">
               <p14:nvContentPartPr>
                 <p14:cNvPr id="15" name="Håndskrift 14">
@@ -18562,7 +18599,7 @@
               </p14:xfrm>
             </p:contentPart>
           </mc:Choice>
-          <mc:Fallback>
+          <mc:Fallback xmlns="">
             <p:pic>
               <p:nvPicPr>
                 <p:cNvPr id="15" name="Håndskrift 14">
@@ -18614,8 +18651,8 @@
             <a:chExt cx="879120" cy="249480"/>
           </a:xfrm>
         </p:grpSpPr>
-        <mc:AlternateContent xmlns:mc="http://schemas.openxmlformats.org/markup-compatibility/2006">
-          <mc:Choice xmlns:p14="http://schemas.microsoft.com/office/powerpoint/2010/main" Requires="p14">
+        <mc:AlternateContent xmlns:mc="http://schemas.openxmlformats.org/markup-compatibility/2006" xmlns:p14="http://schemas.microsoft.com/office/powerpoint/2010/main">
+          <mc:Choice Requires="p14">
             <p:contentPart p14:bwMode="auto" r:id="rId12">
               <p14:nvContentPartPr>
                 <p14:cNvPr id="17" name="Håndskrift 16">
@@ -18634,7 +18671,7 @@
               </p14:xfrm>
             </p:contentPart>
           </mc:Choice>
-          <mc:Fallback>
+          <mc:Fallback xmlns="">
             <p:pic>
               <p:nvPicPr>
                 <p:cNvPr id="17" name="Håndskrift 16">
@@ -18665,8 +18702,8 @@
             </p:pic>
           </mc:Fallback>
         </mc:AlternateContent>
-        <mc:AlternateContent xmlns:mc="http://schemas.openxmlformats.org/markup-compatibility/2006">
-          <mc:Choice xmlns:p14="http://schemas.microsoft.com/office/powerpoint/2010/main" Requires="p14">
+        <mc:AlternateContent xmlns:mc="http://schemas.openxmlformats.org/markup-compatibility/2006" xmlns:p14="http://schemas.microsoft.com/office/powerpoint/2010/main">
+          <mc:Choice Requires="p14">
             <p:contentPart p14:bwMode="auto" r:id="rId13">
               <p14:nvContentPartPr>
                 <p14:cNvPr id="18" name="Håndskrift 17">
@@ -18685,7 +18722,7 @@
               </p14:xfrm>
             </p:contentPart>
           </mc:Choice>
-          <mc:Fallback>
+          <mc:Fallback xmlns="">
             <p:pic>
               <p:nvPicPr>
                 <p:cNvPr id="18" name="Håndskrift 17">
@@ -18716,8 +18753,8 @@
             </p:pic>
           </mc:Fallback>
         </mc:AlternateContent>
-        <mc:AlternateContent xmlns:mc="http://schemas.openxmlformats.org/markup-compatibility/2006">
-          <mc:Choice xmlns:p14="http://schemas.microsoft.com/office/powerpoint/2010/main" Requires="p14">
+        <mc:AlternateContent xmlns:mc="http://schemas.openxmlformats.org/markup-compatibility/2006" xmlns:p14="http://schemas.microsoft.com/office/powerpoint/2010/main">
+          <mc:Choice Requires="p14">
             <p:contentPart p14:bwMode="auto" r:id="rId14">
               <p14:nvContentPartPr>
                 <p14:cNvPr id="19" name="Håndskrift 18">
@@ -18736,7 +18773,7 @@
               </p14:xfrm>
             </p:contentPart>
           </mc:Choice>
-          <mc:Fallback>
+          <mc:Fallback xmlns="">
             <p:pic>
               <p:nvPicPr>
                 <p:cNvPr id="19" name="Håndskrift 18">
@@ -18788,8 +18825,8 @@
             <a:chExt cx="879120" cy="249480"/>
           </a:xfrm>
         </p:grpSpPr>
-        <mc:AlternateContent xmlns:mc="http://schemas.openxmlformats.org/markup-compatibility/2006">
-          <mc:Choice xmlns:p14="http://schemas.microsoft.com/office/powerpoint/2010/main" Requires="p14">
+        <mc:AlternateContent xmlns:mc="http://schemas.openxmlformats.org/markup-compatibility/2006" xmlns:p14="http://schemas.microsoft.com/office/powerpoint/2010/main">
+          <mc:Choice Requires="p14">
             <p:contentPart p14:bwMode="auto" r:id="rId15">
               <p14:nvContentPartPr>
                 <p14:cNvPr id="21" name="Håndskrift 20">
@@ -18808,7 +18845,7 @@
               </p14:xfrm>
             </p:contentPart>
           </mc:Choice>
-          <mc:Fallback>
+          <mc:Fallback xmlns="">
             <p:pic>
               <p:nvPicPr>
                 <p:cNvPr id="21" name="Håndskrift 20">
@@ -18839,8 +18876,8 @@
             </p:pic>
           </mc:Fallback>
         </mc:AlternateContent>
-        <mc:AlternateContent xmlns:mc="http://schemas.openxmlformats.org/markup-compatibility/2006">
-          <mc:Choice xmlns:p14="http://schemas.microsoft.com/office/powerpoint/2010/main" Requires="p14">
+        <mc:AlternateContent xmlns:mc="http://schemas.openxmlformats.org/markup-compatibility/2006" xmlns:p14="http://schemas.microsoft.com/office/powerpoint/2010/main">
+          <mc:Choice Requires="p14">
             <p:contentPart p14:bwMode="auto" r:id="rId16">
               <p14:nvContentPartPr>
                 <p14:cNvPr id="22" name="Håndskrift 21">
@@ -18859,7 +18896,7 @@
               </p14:xfrm>
             </p:contentPart>
           </mc:Choice>
-          <mc:Fallback>
+          <mc:Fallback xmlns="">
             <p:pic>
               <p:nvPicPr>
                 <p:cNvPr id="22" name="Håndskrift 21">
@@ -18890,8 +18927,8 @@
             </p:pic>
           </mc:Fallback>
         </mc:AlternateContent>
-        <mc:AlternateContent xmlns:mc="http://schemas.openxmlformats.org/markup-compatibility/2006">
-          <mc:Choice xmlns:p14="http://schemas.microsoft.com/office/powerpoint/2010/main" Requires="p14">
+        <mc:AlternateContent xmlns:mc="http://schemas.openxmlformats.org/markup-compatibility/2006" xmlns:p14="http://schemas.microsoft.com/office/powerpoint/2010/main">
+          <mc:Choice Requires="p14">
             <p:contentPart p14:bwMode="auto" r:id="rId17">
               <p14:nvContentPartPr>
                 <p14:cNvPr id="23" name="Håndskrift 22">
@@ -18910,7 +18947,7 @@
               </p14:xfrm>
             </p:contentPart>
           </mc:Choice>
-          <mc:Fallback>
+          <mc:Fallback xmlns="">
             <p:pic>
               <p:nvPicPr>
                 <p:cNvPr id="23" name="Håndskrift 22">
@@ -18942,8 +18979,8 @@
           </mc:Fallback>
         </mc:AlternateContent>
       </p:grpSp>
-      <mc:AlternateContent xmlns:mc="http://schemas.openxmlformats.org/markup-compatibility/2006">
-        <mc:Choice xmlns:a14="http://schemas.microsoft.com/office/drawing/2010/main" Requires="a14">
+      <mc:AlternateContent xmlns:mc="http://schemas.openxmlformats.org/markup-compatibility/2006" xmlns:a14="http://schemas.microsoft.com/office/drawing/2010/main">
+        <mc:Choice Requires="a14">
           <p:sp>
             <p:nvSpPr>
               <p:cNvPr id="24" name="Tekstfelt 23">
@@ -19003,7 +19040,7 @@
             </p:txBody>
           </p:sp>
         </mc:Choice>
-        <mc:Fallback>
+        <mc:Fallback xmlns="">
           <p:sp>
             <p:nvSpPr>
               <p:cNvPr id="24" name="Tekstfelt 23">
@@ -19088,8 +19125,8 @@
           </a:p>
         </p:txBody>
       </p:sp>
-      <mc:AlternateContent xmlns:mc="http://schemas.openxmlformats.org/markup-compatibility/2006">
-        <mc:Choice xmlns:a14="http://schemas.microsoft.com/office/drawing/2010/main" Requires="a14">
+      <mc:AlternateContent xmlns:mc="http://schemas.openxmlformats.org/markup-compatibility/2006" xmlns:a14="http://schemas.microsoft.com/office/drawing/2010/main">
+        <mc:Choice Requires="a14">
           <p:sp>
             <p:nvSpPr>
               <p:cNvPr id="27" name="Tekstfelt 26">
@@ -19143,7 +19180,7 @@
             </p:txBody>
           </p:sp>
         </mc:Choice>
-        <mc:Fallback>
+        <mc:Fallback xmlns="">
           <p:sp>
             <p:nvSpPr>
               <p:cNvPr id="27" name="Tekstfelt 26">
@@ -19188,8 +19225,8 @@
           </p:sp>
         </mc:Fallback>
       </mc:AlternateContent>
-      <mc:AlternateContent xmlns:mc="http://schemas.openxmlformats.org/markup-compatibility/2006">
-        <mc:Choice xmlns:a14="http://schemas.microsoft.com/office/drawing/2010/main" Requires="a14">
+      <mc:AlternateContent xmlns:mc="http://schemas.openxmlformats.org/markup-compatibility/2006" xmlns:a14="http://schemas.microsoft.com/office/drawing/2010/main">
+        <mc:Choice Requires="a14">
           <p:sp>
             <p:nvSpPr>
               <p:cNvPr id="28" name="Tekstfelt 27">
@@ -19243,7 +19280,7 @@
             </p:txBody>
           </p:sp>
         </mc:Choice>
-        <mc:Fallback>
+        <mc:Fallback xmlns="">
           <p:sp>
             <p:nvSpPr>
               <p:cNvPr id="28" name="Tekstfelt 27">
@@ -19402,8 +19439,8 @@
           </a:prstGeom>
         </p:spPr>
       </p:pic>
-      <mc:AlternateContent xmlns:mc="http://schemas.openxmlformats.org/markup-compatibility/2006">
-        <mc:Choice xmlns:a14="http://schemas.microsoft.com/office/drawing/2010/main" Requires="a14">
+      <mc:AlternateContent xmlns:mc="http://schemas.openxmlformats.org/markup-compatibility/2006" xmlns:a14="http://schemas.microsoft.com/office/drawing/2010/main">
+        <mc:Choice Requires="a14">
           <p:sp>
             <p:nvSpPr>
               <p:cNvPr id="4" name="Tekstfelt 3">
@@ -19469,7 +19506,7 @@
             </p:txBody>
           </p:sp>
         </mc:Choice>
-        <mc:Fallback>
+        <mc:Fallback xmlns="">
           <p:sp>
             <p:nvSpPr>
               <p:cNvPr id="4" name="Tekstfelt 3">
@@ -19544,8 +19581,8 @@
           </a:prstGeom>
         </p:spPr>
       </p:pic>
-      <mc:AlternateContent xmlns:mc="http://schemas.openxmlformats.org/markup-compatibility/2006">
-        <mc:Choice xmlns:a14="http://schemas.microsoft.com/office/drawing/2010/main" Requires="a14">
+      <mc:AlternateContent xmlns:mc="http://schemas.openxmlformats.org/markup-compatibility/2006" xmlns:a14="http://schemas.microsoft.com/office/drawing/2010/main">
+        <mc:Choice Requires="a14">
           <p:sp>
             <p:nvSpPr>
               <p:cNvPr id="8" name="Tekstfelt 7">
@@ -19622,7 +19659,7 @@
             </p:txBody>
           </p:sp>
         </mc:Choice>
-        <mc:Fallback>
+        <mc:Fallback xmlns="">
           <p:sp>
             <p:nvSpPr>
               <p:cNvPr id="8" name="Tekstfelt 7">
@@ -19687,8 +19724,8 @@
             <a:chExt cx="543240" cy="197280"/>
           </a:xfrm>
         </p:grpSpPr>
-        <mc:AlternateContent xmlns:mc="http://schemas.openxmlformats.org/markup-compatibility/2006">
-          <mc:Choice xmlns:p14="http://schemas.microsoft.com/office/powerpoint/2010/main" Requires="p14">
+        <mc:AlternateContent xmlns:mc="http://schemas.openxmlformats.org/markup-compatibility/2006" xmlns:p14="http://schemas.microsoft.com/office/powerpoint/2010/main">
+          <mc:Choice Requires="p14">
             <p:contentPart p14:bwMode="auto" r:id="rId6">
               <p14:nvContentPartPr>
                 <p14:cNvPr id="10" name="Håndskrift 9">
@@ -19707,7 +19744,7 @@
               </p14:xfrm>
             </p:contentPart>
           </mc:Choice>
-          <mc:Fallback>
+          <mc:Fallback xmlns="">
             <p:pic>
               <p:nvPicPr>
                 <p:cNvPr id="10" name="Håndskrift 9">
@@ -19738,8 +19775,8 @@
             </p:pic>
           </mc:Fallback>
         </mc:AlternateContent>
-        <mc:AlternateContent xmlns:mc="http://schemas.openxmlformats.org/markup-compatibility/2006">
-          <mc:Choice xmlns:p14="http://schemas.microsoft.com/office/powerpoint/2010/main" Requires="p14">
+        <mc:AlternateContent xmlns:mc="http://schemas.openxmlformats.org/markup-compatibility/2006" xmlns:p14="http://schemas.microsoft.com/office/powerpoint/2010/main">
+          <mc:Choice Requires="p14">
             <p:contentPart p14:bwMode="auto" r:id="rId8">
               <p14:nvContentPartPr>
                 <p14:cNvPr id="11" name="Håndskrift 10">
@@ -19758,7 +19795,7 @@
               </p14:xfrm>
             </p:contentPart>
           </mc:Choice>
-          <mc:Fallback>
+          <mc:Fallback xmlns="">
             <p:pic>
               <p:nvPicPr>
                 <p:cNvPr id="11" name="Håndskrift 10">
@@ -19789,8 +19826,8 @@
             </p:pic>
           </mc:Fallback>
         </mc:AlternateContent>
-        <mc:AlternateContent xmlns:mc="http://schemas.openxmlformats.org/markup-compatibility/2006">
-          <mc:Choice xmlns:p14="http://schemas.microsoft.com/office/powerpoint/2010/main" Requires="p14">
+        <mc:AlternateContent xmlns:mc="http://schemas.openxmlformats.org/markup-compatibility/2006" xmlns:p14="http://schemas.microsoft.com/office/powerpoint/2010/main">
+          <mc:Choice Requires="p14">
             <p:contentPart p14:bwMode="auto" r:id="rId10">
               <p14:nvContentPartPr>
                 <p14:cNvPr id="12" name="Håndskrift 11">
@@ -19809,7 +19846,7 @@
               </p14:xfrm>
             </p:contentPart>
           </mc:Choice>
-          <mc:Fallback>
+          <mc:Fallback xmlns="">
             <p:pic>
               <p:nvPicPr>
                 <p:cNvPr id="12" name="Håndskrift 11">
@@ -19861,8 +19898,8 @@
             <a:chExt cx="549360" cy="184680"/>
           </a:xfrm>
         </p:grpSpPr>
-        <mc:AlternateContent xmlns:mc="http://schemas.openxmlformats.org/markup-compatibility/2006">
-          <mc:Choice xmlns:p14="http://schemas.microsoft.com/office/powerpoint/2010/main" Requires="p14">
+        <mc:AlternateContent xmlns:mc="http://schemas.openxmlformats.org/markup-compatibility/2006" xmlns:p14="http://schemas.microsoft.com/office/powerpoint/2010/main">
+          <mc:Choice Requires="p14">
             <p:contentPart p14:bwMode="auto" r:id="rId12">
               <p14:nvContentPartPr>
                 <p14:cNvPr id="14" name="Håndskrift 13">
@@ -19881,7 +19918,7 @@
               </p14:xfrm>
             </p:contentPart>
           </mc:Choice>
-          <mc:Fallback>
+          <mc:Fallback xmlns="">
             <p:pic>
               <p:nvPicPr>
                 <p:cNvPr id="14" name="Håndskrift 13">
@@ -19912,8 +19949,8 @@
             </p:pic>
           </mc:Fallback>
         </mc:AlternateContent>
-        <mc:AlternateContent xmlns:mc="http://schemas.openxmlformats.org/markup-compatibility/2006">
-          <mc:Choice xmlns:p14="http://schemas.microsoft.com/office/powerpoint/2010/main" Requires="p14">
+        <mc:AlternateContent xmlns:mc="http://schemas.openxmlformats.org/markup-compatibility/2006" xmlns:p14="http://schemas.microsoft.com/office/powerpoint/2010/main">
+          <mc:Choice Requires="p14">
             <p:contentPart p14:bwMode="auto" r:id="rId14">
               <p14:nvContentPartPr>
                 <p14:cNvPr id="15" name="Håndskrift 14">
@@ -19932,7 +19969,7 @@
               </p14:xfrm>
             </p:contentPart>
           </mc:Choice>
-          <mc:Fallback>
+          <mc:Fallback xmlns="">
             <p:pic>
               <p:nvPicPr>
                 <p:cNvPr id="15" name="Håndskrift 14">
@@ -19963,8 +20000,8 @@
             </p:pic>
           </mc:Fallback>
         </mc:AlternateContent>
-        <mc:AlternateContent xmlns:mc="http://schemas.openxmlformats.org/markup-compatibility/2006">
-          <mc:Choice xmlns:p14="http://schemas.microsoft.com/office/powerpoint/2010/main" Requires="p14">
+        <mc:AlternateContent xmlns:mc="http://schemas.openxmlformats.org/markup-compatibility/2006" xmlns:p14="http://schemas.microsoft.com/office/powerpoint/2010/main">
+          <mc:Choice Requires="p14">
             <p:contentPart p14:bwMode="auto" r:id="rId16">
               <p14:nvContentPartPr>
                 <p14:cNvPr id="16" name="Håndskrift 15">
@@ -19983,7 +20020,7 @@
               </p14:xfrm>
             </p:contentPart>
           </mc:Choice>
-          <mc:Fallback>
+          <mc:Fallback xmlns="">
             <p:pic>
               <p:nvPicPr>
                 <p:cNvPr id="16" name="Håndskrift 15">
@@ -20035,8 +20072,8 @@
             <a:chExt cx="759240" cy="275400"/>
           </a:xfrm>
         </p:grpSpPr>
-        <mc:AlternateContent xmlns:mc="http://schemas.openxmlformats.org/markup-compatibility/2006">
-          <mc:Choice xmlns:p14="http://schemas.microsoft.com/office/powerpoint/2010/main" Requires="p14">
+        <mc:AlternateContent xmlns:mc="http://schemas.openxmlformats.org/markup-compatibility/2006" xmlns:p14="http://schemas.microsoft.com/office/powerpoint/2010/main">
+          <mc:Choice Requires="p14">
             <p:contentPart p14:bwMode="auto" r:id="rId18">
               <p14:nvContentPartPr>
                 <p14:cNvPr id="17" name="Håndskrift 16">
@@ -20055,7 +20092,7 @@
               </p14:xfrm>
             </p:contentPart>
           </mc:Choice>
-          <mc:Fallback>
+          <mc:Fallback xmlns="">
             <p:pic>
               <p:nvPicPr>
                 <p:cNvPr id="17" name="Håndskrift 16">
@@ -20086,8 +20123,8 @@
             </p:pic>
           </mc:Fallback>
         </mc:AlternateContent>
-        <mc:AlternateContent xmlns:mc="http://schemas.openxmlformats.org/markup-compatibility/2006">
-          <mc:Choice xmlns:p14="http://schemas.microsoft.com/office/powerpoint/2010/main" Requires="p14">
+        <mc:AlternateContent xmlns:mc="http://schemas.openxmlformats.org/markup-compatibility/2006" xmlns:p14="http://schemas.microsoft.com/office/powerpoint/2010/main">
+          <mc:Choice Requires="p14">
             <p:contentPart p14:bwMode="auto" r:id="rId20">
               <p14:nvContentPartPr>
                 <p14:cNvPr id="18" name="Håndskrift 17">
@@ -20106,7 +20143,7 @@
               </p14:xfrm>
             </p:contentPart>
           </mc:Choice>
-          <mc:Fallback>
+          <mc:Fallback xmlns="">
             <p:pic>
               <p:nvPicPr>
                 <p:cNvPr id="18" name="Håndskrift 17">
@@ -20137,8 +20174,8 @@
             </p:pic>
           </mc:Fallback>
         </mc:AlternateContent>
-        <mc:AlternateContent xmlns:mc="http://schemas.openxmlformats.org/markup-compatibility/2006">
-          <mc:Choice xmlns:p14="http://schemas.microsoft.com/office/powerpoint/2010/main" Requires="p14">
+        <mc:AlternateContent xmlns:mc="http://schemas.openxmlformats.org/markup-compatibility/2006" xmlns:p14="http://schemas.microsoft.com/office/powerpoint/2010/main">
+          <mc:Choice Requires="p14">
             <p:contentPart p14:bwMode="auto" r:id="rId22">
               <p14:nvContentPartPr>
                 <p14:cNvPr id="19" name="Håndskrift 18">
@@ -20157,7 +20194,7 @@
               </p14:xfrm>
             </p:contentPart>
           </mc:Choice>
-          <mc:Fallback>
+          <mc:Fallback xmlns="">
             <p:pic>
               <p:nvPicPr>
                 <p:cNvPr id="19" name="Håndskrift 18">
@@ -20189,8 +20226,8 @@
           </mc:Fallback>
         </mc:AlternateContent>
       </p:grpSp>
-      <mc:AlternateContent xmlns:mc="http://schemas.openxmlformats.org/markup-compatibility/2006">
-        <mc:Choice xmlns:a14="http://schemas.microsoft.com/office/drawing/2010/main" Requires="a14">
+      <mc:AlternateContent xmlns:mc="http://schemas.openxmlformats.org/markup-compatibility/2006" xmlns:a14="http://schemas.microsoft.com/office/drawing/2010/main">
+        <mc:Choice Requires="a14">
           <p:sp>
             <p:nvSpPr>
               <p:cNvPr id="22" name="Tekstfelt 21">
@@ -20244,7 +20281,7 @@
             </p:txBody>
           </p:sp>
         </mc:Choice>
-        <mc:Fallback>
+        <mc:Fallback xmlns="">
           <p:sp>
             <p:nvSpPr>
               <p:cNvPr id="22" name="Tekstfelt 21">
@@ -20289,8 +20326,8 @@
           </p:sp>
         </mc:Fallback>
       </mc:AlternateContent>
-      <mc:AlternateContent xmlns:mc="http://schemas.openxmlformats.org/markup-compatibility/2006">
-        <mc:Choice xmlns:a14="http://schemas.microsoft.com/office/drawing/2010/main" Requires="a14">
+      <mc:AlternateContent xmlns:mc="http://schemas.openxmlformats.org/markup-compatibility/2006" xmlns:a14="http://schemas.microsoft.com/office/drawing/2010/main">
+        <mc:Choice Requires="a14">
           <p:sp>
             <p:nvSpPr>
               <p:cNvPr id="23" name="Tekstfelt 22">
@@ -20344,7 +20381,7 @@
             </p:txBody>
           </p:sp>
         </mc:Choice>
-        <mc:Fallback>
+        <mc:Fallback xmlns="">
           <p:sp>
             <p:nvSpPr>
               <p:cNvPr id="23" name="Tekstfelt 22">
@@ -20389,8 +20426,8 @@
           </p:sp>
         </mc:Fallback>
       </mc:AlternateContent>
-      <mc:AlternateContent xmlns:mc="http://schemas.openxmlformats.org/markup-compatibility/2006">
-        <mc:Choice xmlns:a14="http://schemas.microsoft.com/office/drawing/2010/main" Requires="a14">
+      <mc:AlternateContent xmlns:mc="http://schemas.openxmlformats.org/markup-compatibility/2006" xmlns:a14="http://schemas.microsoft.com/office/drawing/2010/main">
+        <mc:Choice Requires="a14">
           <p:sp>
             <p:nvSpPr>
               <p:cNvPr id="24" name="Tekstfelt 23">
@@ -20444,7 +20481,7 @@
             </p:txBody>
           </p:sp>
         </mc:Choice>
-        <mc:Fallback>
+        <mc:Fallback xmlns="">
           <p:sp>
             <p:nvSpPr>
               <p:cNvPr id="24" name="Tekstfelt 23">
